--- a/C++언어/수업자료/C++_2_string_동적할당_enum.pptx
+++ b/C++언어/수업자료/C++_2_string_동적할당_enum.pptx
@@ -1,75 +1,48 @@
 
 <file path=ppt/presentation.xml><?xml version="1.0" encoding="utf-8"?>
-<p:presentation xmlns:a="http://schemas.openxmlformats.org/drawingml/2006/main" xmlns:r="http://schemas.openxmlformats.org/officeDocument/2006/relationships" xmlns:p="http://schemas.openxmlformats.org/presentationml/2006/main" embedTrueTypeFonts="1" saveSubsetFonts="1">
+<p:presentation xmlns:a="http://schemas.openxmlformats.org/drawingml/2006/main" xmlns:r="http://schemas.openxmlformats.org/officeDocument/2006/relationships" xmlns:p="http://schemas.openxmlformats.org/presentationml/2006/main" xmlns:p14="http://schemas.microsoft.com/office/powerpoint/2010/main" embedTrueTypeFonts="1" saveSubsetFonts="1">
   <p:sldMasterIdLst>
-    <p:sldMasterId id="2147483648" r:id="rId1"/>
+    <p:sldMasterId id="2147483660" r:id="rId22"/>
   </p:sldMasterIdLst>
   <p:notesMasterIdLst>
-    <p:notesMasterId r:id="rId34"/>
+    <p:notesMasterId r:id="rId24"/>
   </p:notesMasterIdLst>
   <p:sldIdLst>
-    <p:sldId id="304" r:id="rId2"/>
-    <p:sldId id="278" r:id="rId3"/>
-    <p:sldId id="279" r:id="rId4"/>
-    <p:sldId id="305" r:id="rId5"/>
-    <p:sldId id="328" r:id="rId6"/>
-    <p:sldId id="329" r:id="rId7"/>
-    <p:sldId id="330" r:id="rId8"/>
-    <p:sldId id="331" r:id="rId9"/>
-    <p:sldId id="333" r:id="rId10"/>
-    <p:sldId id="334" r:id="rId11"/>
-    <p:sldId id="335" r:id="rId12"/>
-    <p:sldId id="336" r:id="rId13"/>
-    <p:sldId id="337" r:id="rId14"/>
-    <p:sldId id="338" r:id="rId15"/>
-    <p:sldId id="339" r:id="rId16"/>
-    <p:sldId id="316" r:id="rId17"/>
-    <p:sldId id="346" r:id="rId18"/>
-    <p:sldId id="347" r:id="rId19"/>
-    <p:sldId id="349" r:id="rId20"/>
-    <p:sldId id="340" r:id="rId21"/>
-    <p:sldId id="348" r:id="rId22"/>
-    <p:sldId id="350" r:id="rId23"/>
-    <p:sldId id="351" r:id="rId24"/>
-    <p:sldId id="353" r:id="rId25"/>
-    <p:sldId id="352" r:id="rId26"/>
-    <p:sldId id="317" r:id="rId27"/>
-    <p:sldId id="341" r:id="rId28"/>
-    <p:sldId id="342" r:id="rId29"/>
-    <p:sldId id="343" r:id="rId30"/>
-    <p:sldId id="344" r:id="rId31"/>
-    <p:sldId id="345" r:id="rId32"/>
-    <p:sldId id="318" r:id="rId33"/>
+    <p:sldId id="304" r:id="rId26"/>
+    <p:sldId id="278" r:id="rId27"/>
+    <p:sldId id="279" r:id="rId28"/>
+    <p:sldId id="305" r:id="rId29"/>
+    <p:sldId id="328" r:id="rId30"/>
+    <p:sldId id="329" r:id="rId31"/>
+    <p:sldId id="330" r:id="rId33"/>
+    <p:sldId id="331" r:id="rId34"/>
+    <p:sldId id="333" r:id="rId35"/>
+    <p:sldId id="334" r:id="rId37"/>
+    <p:sldId id="335" r:id="rId38"/>
+    <p:sldId id="336" r:id="rId39"/>
+    <p:sldId id="337" r:id="rId40"/>
+    <p:sldId id="338" r:id="rId41"/>
+    <p:sldId id="339" r:id="rId42"/>
+    <p:sldId id="316" r:id="rId44"/>
+    <p:sldId id="346" r:id="rId45"/>
+    <p:sldId id="347" r:id="rId47"/>
+    <p:sldId id="349" r:id="rId49"/>
+    <p:sldId id="340" r:id="rId51"/>
+    <p:sldId id="348" r:id="rId52"/>
+    <p:sldId id="350" r:id="rId53"/>
+    <p:sldId id="351" r:id="rId55"/>
+    <p:sldId id="353" r:id="rId56"/>
+    <p:sldId id="352" r:id="rId57"/>
+    <p:sldId id="317" r:id="rId59"/>
+    <p:sldId id="341" r:id="rId60"/>
+    <p:sldId id="342" r:id="rId61"/>
+    <p:sldId id="343" r:id="rId62"/>
+    <p:sldId id="344" r:id="rId63"/>
+    <p:sldId id="345" r:id="rId64"/>
+    <p:sldId id="318" r:id="rId65"/>
   </p:sldIdLst>
-  <p:sldSz cx="9144000" cy="6858000" type="screen4x3"/>
+  <p:sldSz cx="9144000" cy="6858000"/>
   <p:notesSz cx="6858000" cy="9144000"/>
-  <p:embeddedFontLst>
-    <p:embeddedFont>
-      <p:font typeface="HY강B" panose="020B0600000101010101" charset="-127"/>
-      <p:regular r:id="rId35"/>
-    </p:embeddedFont>
-    <p:embeddedFont>
-      <p:font typeface="HY강M" panose="020B0600000101010101" charset="-127"/>
-      <p:regular r:id="rId36"/>
-    </p:embeddedFont>
-    <p:embeddedFont>
-      <p:font typeface="Yoon 윤고딕 520_TT" panose="020B0600000101010101" charset="-127"/>
-      <p:regular r:id="rId37"/>
-    </p:embeddedFont>
-    <p:embeddedFont>
-      <p:font typeface="HY견고딕" panose="02030600000101010101" pitchFamily="18" charset="-127"/>
-      <p:regular r:id="rId38"/>
-    </p:embeddedFont>
-    <p:embeddedFont>
-      <p:font typeface="HY헤드라인M" panose="02030600000101010101" pitchFamily="18" charset="-127"/>
-      <p:regular r:id="rId39"/>
-    </p:embeddedFont>
-    <p:embeddedFont>
-      <p:font typeface="맑은 고딕" panose="020B0503020000020004" pitchFamily="50" charset="-127"/>
-      <p:regular r:id="rId40"/>
-      <p:bold r:id="rId41"/>
-    </p:embeddedFont>
-  </p:embeddedFontLst>
   <p:defaultTextStyle>
     <a:defPPr>
       <a:defRPr lang="ko-KR"/>
@@ -168,12 +141,12 @@
   <p:extLst>
     <p:ext uri="{EFAFB233-063F-42B5-8137-9DF3F51BA10A}">
       <p15:sldGuideLst xmlns:p15="http://schemas.microsoft.com/office/powerpoint/2012/main">
-        <p15:guide id="1" orient="horz" pos="2160">
+        <p15:guide id="1" orient="horz" pos="2159" userDrawn="0">
           <p15:clr>
             <a:srgbClr val="A4A3A4"/>
           </p15:clr>
         </p15:guide>
-        <p15:guide id="2" pos="2880">
+        <p15:guide id="2" pos="2879" userDrawn="0">
           <p15:clr>
             <a:srgbClr val="A4A3A4"/>
           </p15:clr>
@@ -181,6 +154,39 @@
       </p15:sldGuideLst>
     </p:ext>
   </p:extLst>
+  <p:embeddedFontLst>
+    <p:embeddedFont>
+      <p:font typeface="HY강B" panose="020B0600000101010101" pitchFamily="0" charset="-127">
+        <p:regular r:id="rId7"/>
+      </p:font>
+    </p:embeddedFont>
+    <p:embeddedFont>
+      <p:font typeface="HY강M" panose="020B0600000101010101" pitchFamily="0" charset="-127">
+        <p:regular r:id="rId6"/>
+      </p:font>
+    </p:embeddedFont>
+    <p:embeddedFont>
+      <p:font typeface="Yoon 윤고딕 520_TT" panose="020B0600000101010101" pitchFamily="-2048" charset="-127">
+        <p:regular r:id="rId3"/>
+      </p:font>
+    </p:embeddedFont>
+    <p:embeddedFont>
+      <p:font typeface="HY견고딕" panose="02030600000101010101" pitchFamily="18" charset="-127">
+        <p:regular r:id="rId8"/>
+      </p:font>
+    </p:embeddedFont>
+    <p:embeddedFont>
+      <p:font typeface="HY헤드라인M" panose="02030600000101010101" pitchFamily="18" charset="-127">
+        <p:regular r:id="rId1"/>
+      </p:font>
+    </p:embeddedFont>
+    <p:embeddedFont>
+      <p:font typeface="맑은 고딕" panose="020B0503020000020004" pitchFamily="50" charset="-127">
+        <p:regular r:id="rId4"/>
+        <p:bold r:id="rId10"/>
+      </p:font>
+    </p:embeddedFont>
+  </p:embeddedFontLst>
 </p:presentation>
 </file>
 
@@ -580,371 +586,7 @@
 </p:notesMaster>
 </file>
 
-<file path=ppt/notesSlides/notesSlide1.xml><?xml version="1.0" encoding="utf-8"?>
-<p:notes xmlns:a="http://schemas.openxmlformats.org/drawingml/2006/main" xmlns:r="http://schemas.openxmlformats.org/officeDocument/2006/relationships" xmlns:p="http://schemas.openxmlformats.org/presentationml/2006/main">
-  <p:cSld>
-    <p:spTree>
-      <p:nvGrpSpPr>
-        <p:cNvPr id="1" name=""/>
-        <p:cNvGrpSpPr/>
-        <p:nvPr/>
-      </p:nvGrpSpPr>
-      <p:grpSpPr>
-        <a:xfrm>
-          <a:off x="0" y="0"/>
-          <a:ext cx="0" cy="0"/>
-          <a:chOff x="0" y="0"/>
-          <a:chExt cx="0" cy="0"/>
-        </a:xfrm>
-      </p:grpSpPr>
-      <p:sp>
-        <p:nvSpPr>
-          <p:cNvPr id="2" name="슬라이드 이미지 개체 틀 1"/>
-          <p:cNvSpPr>
-            <a:spLocks noGrp="1" noRot="1" noChangeAspect="1"/>
-          </p:cNvSpPr>
-          <p:nvPr>
-            <p:ph type="sldImg"/>
-          </p:nvPr>
-        </p:nvSpPr>
-        <p:spPr/>
-      </p:sp>
-      <p:sp>
-        <p:nvSpPr>
-          <p:cNvPr id="3" name="슬라이드 노트 개체 틀 2"/>
-          <p:cNvSpPr>
-            <a:spLocks noGrp="1"/>
-          </p:cNvSpPr>
-          <p:nvPr>
-            <p:ph type="body" idx="1"/>
-          </p:nvPr>
-        </p:nvSpPr>
-        <p:spPr/>
-        <p:txBody>
-          <a:bodyPr/>
-          <a:lstStyle/>
-          <a:p>
-            <a:r>
-              <a:rPr lang="ko-KR" altLang="en-US" dirty="0"/>
-              <a:t>메모리 </a:t>
-            </a:r>
-            <a:r>
-              <a:rPr lang="ko-KR" altLang="en-US" dirty="0" err="1"/>
-              <a:t>복사란</a:t>
-            </a:r>
-            <a:r>
-              <a:rPr lang="en-US" altLang="ko-KR" dirty="0"/>
-              <a:t>? </a:t>
-            </a:r>
-            <a:endParaRPr lang="ko-KR" altLang="en-US" dirty="0"/>
-          </a:p>
-        </p:txBody>
-      </p:sp>
-      <p:sp>
-        <p:nvSpPr>
-          <p:cNvPr id="4" name="슬라이드 번호 개체 틀 3"/>
-          <p:cNvSpPr>
-            <a:spLocks noGrp="1"/>
-          </p:cNvSpPr>
-          <p:nvPr>
-            <p:ph type="sldNum" sz="quarter" idx="5"/>
-          </p:nvPr>
-        </p:nvSpPr>
-        <p:spPr/>
-        <p:txBody>
-          <a:bodyPr/>
-          <a:lstStyle/>
-          <a:p>
-            <a:fld id="{15317825-7312-444A-A32A-E4ADCED38ACF}" type="slidenum">
-              <a:rPr lang="ko-KR" altLang="en-US" smtClean="0"/>
-              <a:pPr/>
-              <a:t>6</a:t>
-            </a:fld>
-            <a:endParaRPr lang="ko-KR" altLang="en-US"/>
-          </a:p>
-        </p:txBody>
-      </p:sp>
-    </p:spTree>
-    <p:extLst>
-      <p:ext uri="{BB962C8B-B14F-4D97-AF65-F5344CB8AC3E}">
-        <p14:creationId xmlns:p14="http://schemas.microsoft.com/office/powerpoint/2010/main" val="3802979715"/>
-      </p:ext>
-    </p:extLst>
-  </p:cSld>
-  <p:clrMapOvr>
-    <a:masterClrMapping/>
-  </p:clrMapOvr>
-</p:notes>
-</file>
-
-<file path=ppt/notesSlides/notesSlide2.xml><?xml version="1.0" encoding="utf-8"?>
-<p:notes xmlns:a="http://schemas.openxmlformats.org/drawingml/2006/main" xmlns:r="http://schemas.openxmlformats.org/officeDocument/2006/relationships" xmlns:p="http://schemas.openxmlformats.org/presentationml/2006/main">
-  <p:cSld>
-    <p:spTree>
-      <p:nvGrpSpPr>
-        <p:cNvPr id="1" name=""/>
-        <p:cNvGrpSpPr/>
-        <p:nvPr/>
-      </p:nvGrpSpPr>
-      <p:grpSpPr>
-        <a:xfrm>
-          <a:off x="0" y="0"/>
-          <a:ext cx="0" cy="0"/>
-          <a:chOff x="0" y="0"/>
-          <a:chExt cx="0" cy="0"/>
-        </a:xfrm>
-      </p:grpSpPr>
-      <p:sp>
-        <p:nvSpPr>
-          <p:cNvPr id="2" name="슬라이드 이미지 개체 틀 1"/>
-          <p:cNvSpPr>
-            <a:spLocks noGrp="1" noRot="1" noChangeAspect="1"/>
-          </p:cNvSpPr>
-          <p:nvPr>
-            <p:ph type="sldImg"/>
-          </p:nvPr>
-        </p:nvSpPr>
-        <p:spPr/>
-      </p:sp>
-      <p:sp>
-        <p:nvSpPr>
-          <p:cNvPr id="3" name="슬라이드 노트 개체 틀 2"/>
-          <p:cNvSpPr>
-            <a:spLocks noGrp="1"/>
-          </p:cNvSpPr>
-          <p:nvPr>
-            <p:ph type="body" idx="1"/>
-          </p:nvPr>
-        </p:nvSpPr>
-        <p:spPr/>
-        <p:txBody>
-          <a:bodyPr/>
-          <a:lstStyle/>
-          <a:p>
-            <a:pPr marL="0" marR="0" lvl="0" indent="0" algn="l" defTabSz="914400" rtl="0" eaLnBrk="1" fontAlgn="auto" latinLnBrk="1" hangingPunct="1">
-              <a:lnSpc>
-                <a:spcPct val="100000"/>
-              </a:lnSpc>
-              <a:spcBef>
-                <a:spcPts val="0"/>
-              </a:spcBef>
-              <a:spcAft>
-                <a:spcPts val="0"/>
-              </a:spcAft>
-              <a:buClrTx/>
-              <a:buSzTx/>
-              <a:buFontTx/>
-              <a:buNone/>
-              <a:tabLst/>
-              <a:defRPr/>
-            </a:pPr>
-            <a:r>
-              <a:rPr lang="en-US" altLang="ko-KR" sz="1200" dirty="0">
-                <a:latin typeface="HY견고딕" pitchFamily="18" charset="-127"/>
-                <a:ea typeface="HY견고딕" pitchFamily="18" charset="-127"/>
-              </a:rPr>
-              <a:t>//char</a:t>
-            </a:r>
-            <a:r>
-              <a:rPr lang="ko-KR" altLang="en-US" sz="1200" dirty="0">
-                <a:latin typeface="HY견고딕" pitchFamily="18" charset="-127"/>
-                <a:ea typeface="HY견고딕" pitchFamily="18" charset="-127"/>
-              </a:rPr>
-              <a:t> 포인터 변수인 </a:t>
-            </a:r>
-            <a:r>
-              <a:rPr lang="en-US" altLang="ko-KR" sz="1200" dirty="0" err="1">
-                <a:latin typeface="HY견고딕" pitchFamily="18" charset="-127"/>
-                <a:ea typeface="HY견고딕" pitchFamily="18" charset="-127"/>
-              </a:rPr>
-              <a:t>arr</a:t>
-            </a:r>
-            <a:r>
-              <a:rPr lang="ko-KR" altLang="en-US" sz="1200" dirty="0">
-                <a:latin typeface="HY견고딕" pitchFamily="18" charset="-127"/>
-                <a:ea typeface="HY견고딕" pitchFamily="18" charset="-127"/>
-              </a:rPr>
-              <a:t>에 </a:t>
-            </a:r>
-            <a:r>
-              <a:rPr lang="en-US" altLang="ko-KR" sz="1200" dirty="0">
-                <a:latin typeface="HY견고딕" pitchFamily="18" charset="-127"/>
-                <a:ea typeface="HY견고딕" pitchFamily="18" charset="-127"/>
-              </a:rPr>
-              <a:t>str</a:t>
-            </a:r>
-            <a:r>
-              <a:rPr lang="ko-KR" altLang="en-US" sz="1200" dirty="0">
-                <a:latin typeface="HY견고딕" pitchFamily="18" charset="-127"/>
-                <a:ea typeface="HY견고딕" pitchFamily="18" charset="-127"/>
-              </a:rPr>
-              <a:t>을 </a:t>
-            </a:r>
-            <a:r>
-              <a:rPr lang="en-US" altLang="ko-KR" sz="1200" dirty="0" err="1">
-                <a:latin typeface="HY견고딕" pitchFamily="18" charset="-127"/>
-                <a:ea typeface="HY견고딕" pitchFamily="18" charset="-127"/>
-              </a:rPr>
-              <a:t>c_str</a:t>
-            </a:r>
-            <a:r>
-              <a:rPr lang="en-US" altLang="ko-KR" sz="1200" dirty="0">
-                <a:latin typeface="HY견고딕" pitchFamily="18" charset="-127"/>
-                <a:ea typeface="HY견고딕" pitchFamily="18" charset="-127"/>
-              </a:rPr>
-              <a:t>()</a:t>
-            </a:r>
-            <a:r>
-              <a:rPr lang="ko-KR" altLang="en-US" sz="1200" dirty="0" err="1">
-                <a:latin typeface="HY견고딕" pitchFamily="18" charset="-127"/>
-                <a:ea typeface="HY견고딕" pitchFamily="18" charset="-127"/>
-              </a:rPr>
-              <a:t>한다음</a:t>
-            </a:r>
-            <a:r>
-              <a:rPr lang="ko-KR" altLang="en-US" sz="1200" dirty="0">
-                <a:latin typeface="HY견고딕" pitchFamily="18" charset="-127"/>
-                <a:ea typeface="HY견고딕" pitchFamily="18" charset="-127"/>
-              </a:rPr>
-              <a:t> </a:t>
-            </a:r>
-            <a:r>
-              <a:rPr lang="en-US" altLang="ko-KR" sz="1200" dirty="0">
-                <a:latin typeface="HY견고딕" pitchFamily="18" charset="-127"/>
-                <a:ea typeface="HY견고딕" pitchFamily="18" charset="-127"/>
-              </a:rPr>
-              <a:t>string</a:t>
-            </a:r>
-            <a:r>
-              <a:rPr lang="ko-KR" altLang="en-US" sz="1200" dirty="0">
-                <a:latin typeface="HY견고딕" pitchFamily="18" charset="-127"/>
-                <a:ea typeface="HY견고딕" pitchFamily="18" charset="-127"/>
-              </a:rPr>
-              <a:t>에서 </a:t>
-            </a:r>
-            <a:r>
-              <a:rPr lang="en-US" altLang="ko-KR" sz="1200" dirty="0">
-                <a:latin typeface="HY견고딕" pitchFamily="18" charset="-127"/>
-                <a:ea typeface="HY견고딕" pitchFamily="18" charset="-127"/>
-              </a:rPr>
-              <a:t>char*</a:t>
-            </a:r>
-            <a:r>
-              <a:rPr lang="ko-KR" altLang="en-US" sz="1200" dirty="0">
-                <a:latin typeface="HY견고딕" pitchFamily="18" charset="-127"/>
-                <a:ea typeface="HY견고딕" pitchFamily="18" charset="-127"/>
-              </a:rPr>
-              <a:t>로 강제 </a:t>
-            </a:r>
-            <a:r>
-              <a:rPr lang="ko-KR" altLang="en-US" sz="1200" dirty="0" err="1">
-                <a:latin typeface="HY견고딕" pitchFamily="18" charset="-127"/>
-                <a:ea typeface="HY견고딕" pitchFamily="18" charset="-127"/>
-              </a:rPr>
-              <a:t>형변환</a:t>
-            </a:r>
-            <a:endParaRPr lang="en-US" altLang="ko-KR" sz="1200" dirty="0">
-              <a:latin typeface="HY견고딕" pitchFamily="18" charset="-127"/>
-              <a:ea typeface="HY견고딕" pitchFamily="18" charset="-127"/>
-            </a:endParaRPr>
-          </a:p>
-          <a:p>
-            <a:pPr marL="0" marR="0" lvl="0" indent="0" algn="l" defTabSz="914400" rtl="0" eaLnBrk="1" fontAlgn="auto" latinLnBrk="1" hangingPunct="1">
-              <a:lnSpc>
-                <a:spcPct val="100000"/>
-              </a:lnSpc>
-              <a:spcBef>
-                <a:spcPts val="0"/>
-              </a:spcBef>
-              <a:spcAft>
-                <a:spcPts val="0"/>
-              </a:spcAft>
-              <a:buClrTx/>
-              <a:buSzTx/>
-              <a:buFontTx/>
-              <a:buNone/>
-              <a:tabLst/>
-              <a:defRPr/>
-            </a:pPr>
-            <a:r>
-              <a:rPr lang="en-US" altLang="ko-KR" sz="1200" dirty="0">
-                <a:latin typeface="HY견고딕" pitchFamily="18" charset="-127"/>
-                <a:ea typeface="HY견고딕" pitchFamily="18" charset="-127"/>
-              </a:rPr>
-              <a:t>char* </a:t>
-            </a:r>
-            <a:r>
-              <a:rPr lang="en-US" altLang="ko-KR" sz="1200" dirty="0" err="1">
-                <a:latin typeface="HY견고딕" pitchFamily="18" charset="-127"/>
-                <a:ea typeface="HY견고딕" pitchFamily="18" charset="-127"/>
-              </a:rPr>
-              <a:t>arr</a:t>
-            </a:r>
-            <a:r>
-              <a:rPr lang="en-US" altLang="ko-KR" sz="1200" dirty="0">
-                <a:latin typeface="HY견고딕" pitchFamily="18" charset="-127"/>
-                <a:ea typeface="HY견고딕" pitchFamily="18" charset="-127"/>
-              </a:rPr>
-              <a:t> = (char*)</a:t>
-            </a:r>
-            <a:r>
-              <a:rPr lang="en-US" altLang="ko-KR" sz="1200" dirty="0" err="1">
-                <a:latin typeface="HY견고딕" pitchFamily="18" charset="-127"/>
-                <a:ea typeface="HY견고딕" pitchFamily="18" charset="-127"/>
-              </a:rPr>
-              <a:t>str.c_str</a:t>
-            </a:r>
-            <a:r>
-              <a:rPr lang="en-US" altLang="ko-KR" sz="1200" dirty="0">
-                <a:latin typeface="HY견고딕" pitchFamily="18" charset="-127"/>
-                <a:ea typeface="HY견고딕" pitchFamily="18" charset="-127"/>
-              </a:rPr>
-              <a:t>();</a:t>
-            </a:r>
-          </a:p>
-          <a:p>
-            <a:endParaRPr lang="ko-KR" altLang="en-US" dirty="0"/>
-          </a:p>
-        </p:txBody>
-      </p:sp>
-      <p:sp>
-        <p:nvSpPr>
-          <p:cNvPr id="4" name="슬라이드 번호 개체 틀 3"/>
-          <p:cNvSpPr>
-            <a:spLocks noGrp="1"/>
-          </p:cNvSpPr>
-          <p:nvPr>
-            <p:ph type="sldNum" sz="quarter" idx="5"/>
-          </p:nvPr>
-        </p:nvSpPr>
-        <p:spPr/>
-        <p:txBody>
-          <a:bodyPr/>
-          <a:lstStyle/>
-          <a:p>
-            <a:fld id="{15317825-7312-444A-A32A-E4ADCED38ACF}" type="slidenum">
-              <a:rPr lang="ko-KR" altLang="en-US" smtClean="0"/>
-              <a:pPr/>
-              <a:t>9</a:t>
-            </a:fld>
-            <a:endParaRPr lang="ko-KR" altLang="en-US"/>
-          </a:p>
-        </p:txBody>
-      </p:sp>
-    </p:spTree>
-    <p:extLst>
-      <p:ext uri="{BB962C8B-B14F-4D97-AF65-F5344CB8AC3E}">
-        <p14:creationId xmlns:p14="http://schemas.microsoft.com/office/powerpoint/2010/main" val="2065232333"/>
-      </p:ext>
-    </p:extLst>
-  </p:cSld>
-  <p:clrMapOvr>
-    <a:masterClrMapping/>
-  </p:clrMapOvr>
-</p:notes>
-</file>
-
-<file path=ppt/notesSlides/notesSlide3.xml><?xml version="1.0" encoding="utf-8"?>
+<file path=ppt/notesSlides/notesSlide15.xml><?xml version="1.0" encoding="utf-8"?>
 <p:notes xmlns:a="http://schemas.openxmlformats.org/drawingml/2006/main" xmlns:r="http://schemas.openxmlformats.org/officeDocument/2006/relationships" xmlns:p="http://schemas.openxmlformats.org/presentationml/2006/main">
   <p:cSld>
     <p:spTree>
@@ -1026,7 +668,7 @@
 </p:notes>
 </file>
 
-<file path=ppt/notesSlides/notesSlide4.xml><?xml version="1.0" encoding="utf-8"?>
+<file path=ppt/notesSlides/notesSlide17.xml><?xml version="1.0" encoding="utf-8"?>
 <p:notes xmlns:a="http://schemas.openxmlformats.org/drawingml/2006/main" xmlns:r="http://schemas.openxmlformats.org/officeDocument/2006/relationships" xmlns:p="http://schemas.openxmlformats.org/presentationml/2006/main">
   <p:cSld>
     <p:spTree>
@@ -1111,7 +753,7 @@
 </p:notes>
 </file>
 
-<file path=ppt/notesSlides/notesSlide5.xml><?xml version="1.0" encoding="utf-8"?>
+<file path=ppt/notesSlides/notesSlide18.xml><?xml version="1.0" encoding="utf-8"?>
 <p:notes xmlns:a="http://schemas.openxmlformats.org/drawingml/2006/main" xmlns:r="http://schemas.openxmlformats.org/officeDocument/2006/relationships" xmlns:p="http://schemas.openxmlformats.org/presentationml/2006/main">
   <p:cSld>
     <p:spTree>
@@ -1193,6 +835,258 @@
         <p14:creationId xmlns:p14="http://schemas.microsoft.com/office/powerpoint/2010/main" val="710779212"/>
       </p:ext>
     </p:extLst>
+  </p:cSld>
+  <p:clrMapOvr>
+    <a:masterClrMapping/>
+  </p:clrMapOvr>
+</p:notes>
+</file>
+
+<file path=ppt/notesSlides/notesSlide19.xml><?xml version="1.0" encoding="utf-8"?>
+<p:notes xmlns:a="http://schemas.openxmlformats.org/drawingml/2006/main" xmlns:r="http://schemas.openxmlformats.org/officeDocument/2006/relationships" xmlns:p="http://schemas.openxmlformats.org/presentationml/2006/main">
+  <p:cSld>
+    <p:spTree>
+      <p:nvGrpSpPr>
+        <p:cNvPr id="1" name=""/>
+        <p:cNvGrpSpPr/>
+        <p:nvPr/>
+      </p:nvGrpSpPr>
+      <p:grpSpPr>
+        <a:xfrm>
+          <a:off x="0" y="0"/>
+          <a:ext cx="0" cy="0"/>
+          <a:chOff x="0" y="0"/>
+          <a:chExt cx="0" cy="0"/>
+        </a:xfrm>
+      </p:grpSpPr>
+      <p:sp>
+        <p:nvSpPr>
+          <p:cNvPr id="2" name="슬라이드 이미지 개체 틀 1"/>
+          <p:cNvSpPr>
+            <a:spLocks noGrp="1" noRot="1" noChangeAspect="1"/>
+          </p:cNvSpPr>
+          <p:nvPr>
+            <p:ph type="sldImg"/>
+          </p:nvPr>
+        </p:nvSpPr>
+        <p:spPr/>
+      </p:sp>
+      <p:sp>
+        <p:nvSpPr>
+          <p:cNvPr id="3" name="슬라이드 노트 개체 틀 2"/>
+          <p:cNvSpPr>
+            <a:spLocks noGrp="1"/>
+          </p:cNvSpPr>
+          <p:nvPr>
+            <p:ph type="body" idx="1"/>
+          </p:nvPr>
+        </p:nvSpPr>
+        <p:spPr/>
+        <p:txBody>
+          <a:bodyPr/>
+          <a:lstStyle/>
+          <a:p>
+            <a:endParaRPr lang="ko-KR" altLang="en-US" dirty="0"/>
+          </a:p>
+        </p:txBody>
+      </p:sp>
+      <p:sp>
+        <p:nvSpPr>
+          <p:cNvPr id="4" name="슬라이드 번호 개체 틀 3"/>
+          <p:cNvSpPr>
+            <a:spLocks noGrp="1"/>
+          </p:cNvSpPr>
+          <p:nvPr>
+            <p:ph type="sldNum" sz="quarter" idx="10"/>
+          </p:nvPr>
+        </p:nvSpPr>
+        <p:spPr/>
+        <p:txBody>
+          <a:bodyPr/>
+          <a:lstStyle/>
+          <a:p>
+            <a:fld id="{15317825-7312-444A-A32A-E4ADCED38ACF}" type="slidenum">
+              <a:rPr lang="ko-KR" altLang="en-US" smtClean="0"/>
+              <a:pPr/>
+              <a:t>19</a:t>
+            </a:fld>
+            <a:endParaRPr lang="ko-KR" altLang="en-US"/>
+          </a:p>
+        </p:txBody>
+      </p:sp>
+    </p:spTree>
+    <p:extLst>
+      <p:ext uri="{BB962C8B-B14F-4D97-AF65-F5344CB8AC3E}">
+        <p14:creationId xmlns:p14="http://schemas.microsoft.com/office/powerpoint/2010/main" val="710779212"/>
+      </p:ext>
+    </p:extLst>
+  </p:cSld>
+  <p:clrMapOvr>
+    <a:masterClrMapping/>
+  </p:clrMapOvr>
+</p:notes>
+</file>
+
+<file path=ppt/notesSlides/notesSlide22.xml><?xml version="1.0" encoding="utf-8"?>
+<p:notes xmlns:a="http://schemas.openxmlformats.org/drawingml/2006/main" xmlns:r="http://schemas.openxmlformats.org/officeDocument/2006/relationships" xmlns:p="http://schemas.openxmlformats.org/presentationml/2006/main">
+  <p:cSld>
+    <p:spTree>
+      <p:nvGrpSpPr>
+        <p:cNvPr id="1" name=""/>
+        <p:cNvGrpSpPr/>
+        <p:nvPr/>
+      </p:nvGrpSpPr>
+      <p:grpSpPr>
+        <a:xfrm>
+          <a:off x="0" y="0"/>
+          <a:ext cx="0" cy="0"/>
+          <a:chOff x="0" y="0"/>
+          <a:chExt cx="0" cy="0"/>
+        </a:xfrm>
+      </p:grpSpPr>
+      <p:sp>
+        <p:nvSpPr>
+          <p:cNvPr id="2" name="슬라이드 이미지 개체 틀 1"/>
+          <p:cNvSpPr>
+            <a:spLocks noGrp="1" noRot="1" noChangeAspect="1"/>
+          </p:cNvSpPr>
+          <p:nvPr>
+            <p:ph type="sldImg"/>
+          </p:nvPr>
+        </p:nvSpPr>
+        <p:spPr/>
+      </p:sp>
+      <p:sp>
+        <p:nvSpPr>
+          <p:cNvPr id="3" name="슬라이드 노트 개체 틀 2"/>
+          <p:cNvSpPr>
+            <a:spLocks noGrp="1"/>
+          </p:cNvSpPr>
+          <p:nvPr>
+            <p:ph type="body" idx="1"/>
+          </p:nvPr>
+        </p:nvSpPr>
+        <p:spPr/>
+        <p:txBody>
+          <a:bodyPr/>
+          <a:lstStyle/>
+          <a:p>
+            <a:endParaRPr lang="ko-KR" altLang="en-US" dirty="0"/>
+          </a:p>
+        </p:txBody>
+      </p:sp>
+      <p:sp>
+        <p:nvSpPr>
+          <p:cNvPr id="4" name="슬라이드 번호 개체 틀 3"/>
+          <p:cNvSpPr>
+            <a:spLocks noGrp="1"/>
+          </p:cNvSpPr>
+          <p:nvPr>
+            <p:ph type="sldNum" sz="quarter" idx="10"/>
+          </p:nvPr>
+        </p:nvSpPr>
+        <p:spPr/>
+        <p:txBody>
+          <a:bodyPr/>
+          <a:lstStyle/>
+          <a:p>
+            <a:fld id="{15317825-7312-444A-A32A-E4ADCED38ACF}" type="slidenum">
+              <a:rPr lang="ko-KR" altLang="en-US" smtClean="0"/>
+              <a:pPr/>
+              <a:t>22</a:t>
+            </a:fld>
+            <a:endParaRPr lang="ko-KR" altLang="en-US"/>
+          </a:p>
+        </p:txBody>
+      </p:sp>
+    </p:spTree>
+    <p:extLst>
+      <p:ext uri="{BB962C8B-B14F-4D97-AF65-F5344CB8AC3E}">
+        <p14:creationId xmlns:p14="http://schemas.microsoft.com/office/powerpoint/2010/main" val="3997535661"/>
+      </p:ext>
+    </p:extLst>
+  </p:cSld>
+  <p:clrMapOvr>
+    <a:masterClrMapping/>
+  </p:clrMapOvr>
+</p:notes>
+</file>
+
+<file path=ppt/notesSlides/notesSlide25.xml><?xml version="1.0" encoding="utf-8"?>
+<p:notes xmlns:a="http://schemas.openxmlformats.org/drawingml/2006/main" xmlns:r="http://schemas.openxmlformats.org/officeDocument/2006/relationships" xmlns:p="http://schemas.openxmlformats.org/presentationml/2006/main">
+  <p:cSld>
+    <p:spTree>
+      <p:nvGrpSpPr>
+        <p:cNvPr id="1" name=""/>
+        <p:cNvGrpSpPr/>
+        <p:nvPr/>
+      </p:nvGrpSpPr>
+      <p:grpSpPr>
+        <a:xfrm>
+          <a:off x="0" y="0"/>
+          <a:ext cx="0" cy="0"/>
+          <a:chOff x="0" y="0"/>
+          <a:chExt cx="0" cy="0"/>
+        </a:xfrm>
+      </p:grpSpPr>
+      <p:sp>
+        <p:nvSpPr>
+          <p:cNvPr id="2" name="슬라이드 이미지 개체 틀 1"/>
+          <p:cNvSpPr>
+            <a:spLocks noGrp="1" noRot="1" noChangeAspect="1"/>
+          </p:cNvSpPr>
+          <p:nvPr>
+            <p:ph type="sldImg"/>
+          </p:nvPr>
+        </p:nvSpPr>
+        <p:spPr/>
+      </p:sp>
+      <p:sp>
+        <p:nvSpPr>
+          <p:cNvPr id="3" name="슬라이드 노트 개체 틀 2"/>
+          <p:cNvSpPr>
+            <a:spLocks noGrp="1"/>
+          </p:cNvSpPr>
+          <p:nvPr>
+            <p:ph type="body" idx="1"/>
+          </p:nvPr>
+        </p:nvSpPr>
+        <p:spPr/>
+        <p:txBody>
+          <a:bodyPr>
+            <a:normAutofit/>
+          </a:bodyPr>
+          <a:lstStyle/>
+          <a:p>
+            <a:endParaRPr lang="ko-KR" altLang="en-US" dirty="0"/>
+          </a:p>
+        </p:txBody>
+      </p:sp>
+      <p:sp>
+        <p:nvSpPr>
+          <p:cNvPr id="4" name="슬라이드 번호 개체 틀 3"/>
+          <p:cNvSpPr>
+            <a:spLocks noGrp="1"/>
+          </p:cNvSpPr>
+          <p:nvPr>
+            <p:ph type="sldNum" sz="quarter" idx="10"/>
+          </p:nvPr>
+        </p:nvSpPr>
+        <p:spPr/>
+        <p:txBody>
+          <a:bodyPr/>
+          <a:lstStyle/>
+          <a:p>
+            <a:fld id="{15317825-7312-444A-A32A-E4ADCED38ACF}" type="slidenum">
+              <a:rPr lang="ko-KR" altLang="en-US" smtClean="0"/>
+              <a:pPr/>
+              <a:t>25</a:t>
+            </a:fld>
+            <a:endParaRPr lang="ko-KR" altLang="en-US"/>
+          </a:p>
+        </p:txBody>
+      </p:sp>
+    </p:spTree>
   </p:cSld>
   <p:clrMapOvr>
     <a:masterClrMapping/>
@@ -1244,6 +1138,18 @@
           <a:bodyPr/>
           <a:lstStyle/>
           <a:p>
+            <a:r>
+              <a:rPr lang="ko-KR" altLang="en-US" dirty="0"/>
+              <a:t>메모리 </a:t>
+            </a:r>
+            <a:r>
+              <a:rPr lang="ko-KR" altLang="en-US" dirty="0" err="1"/>
+              <a:t>복사란</a:t>
+            </a:r>
+            <a:r>
+              <a:rPr lang="en-US" altLang="ko-KR" dirty="0"/>
+              <a:t>? </a:t>
+            </a:r>
             <a:endParaRPr lang="ko-KR" altLang="en-US" dirty="0"/>
           </a:p>
         </p:txBody>
@@ -1255,7 +1161,7 @@
             <a:spLocks noGrp="1"/>
           </p:cNvSpPr>
           <p:nvPr>
-            <p:ph type="sldNum" sz="quarter" idx="10"/>
+            <p:ph type="sldNum" sz="quarter" idx="5"/>
           </p:nvPr>
         </p:nvSpPr>
         <p:spPr/>
@@ -1266,7 +1172,7 @@
             <a:fld id="{15317825-7312-444A-A32A-E4ADCED38ACF}" type="slidenum">
               <a:rPr lang="ko-KR" altLang="en-US" smtClean="0"/>
               <a:pPr/>
-              <a:t>19</a:t>
+              <a:t>6</a:t>
             </a:fld>
             <a:endParaRPr lang="ko-KR" altLang="en-US"/>
           </a:p>
@@ -1275,7 +1181,7 @@
     </p:spTree>
     <p:extLst>
       <p:ext uri="{BB962C8B-B14F-4D97-AF65-F5344CB8AC3E}">
-        <p14:creationId xmlns:p14="http://schemas.microsoft.com/office/powerpoint/2010/main" val="710779212"/>
+        <p14:creationId xmlns:p14="http://schemas.microsoft.com/office/powerpoint/2010/main" val="3802979715"/>
       </p:ext>
     </p:extLst>
   </p:cSld>
@@ -1285,7 +1191,7 @@
 </p:notes>
 </file>
 
-<file path=ppt/notesSlides/notesSlide7.xml><?xml version="1.0" encoding="utf-8"?>
+<file path=ppt/notesSlides/notesSlide9.xml><?xml version="1.0" encoding="utf-8"?>
 <p:notes xmlns:a="http://schemas.openxmlformats.org/drawingml/2006/main" xmlns:r="http://schemas.openxmlformats.org/officeDocument/2006/relationships" xmlns:p="http://schemas.openxmlformats.org/presentationml/2006/main">
   <p:cSld>
     <p:spTree>
@@ -1329,6 +1235,188 @@
           <a:bodyPr/>
           <a:lstStyle/>
           <a:p>
+            <a:pPr marL="0" marR="0" lvl="0" indent="0" algn="l" defTabSz="914400" rtl="0" eaLnBrk="1" fontAlgn="auto" latinLnBrk="1" hangingPunct="1">
+              <a:lnSpc>
+                <a:spcPct val="100000"/>
+              </a:lnSpc>
+              <a:spcBef>
+                <a:spcPts val="0"/>
+              </a:spcBef>
+              <a:spcAft>
+                <a:spcPts val="0"/>
+              </a:spcAft>
+              <a:buClrTx/>
+              <a:buSzTx/>
+              <a:buFontTx/>
+              <a:buNone/>
+              <a:tabLst/>
+              <a:defRPr/>
+            </a:pPr>
+            <a:r>
+              <a:rPr lang="en-US" altLang="ko-KR" sz="1200" dirty="0">
+                <a:latin typeface="HY견고딕" pitchFamily="18" charset="-127"/>
+                <a:ea typeface="HY견고딕" pitchFamily="18" charset="-127"/>
+              </a:rPr>
+              <a:t>//char</a:t>
+            </a:r>
+            <a:r>
+              <a:rPr lang="ko-KR" altLang="en-US" sz="1200" dirty="0">
+                <a:latin typeface="HY견고딕" pitchFamily="18" charset="-127"/>
+                <a:ea typeface="HY견고딕" pitchFamily="18" charset="-127"/>
+              </a:rPr>
+              <a:t> 포인터 변수인 </a:t>
+            </a:r>
+            <a:r>
+              <a:rPr lang="en-US" altLang="ko-KR" sz="1200" dirty="0" err="1">
+                <a:latin typeface="HY견고딕" pitchFamily="18" charset="-127"/>
+                <a:ea typeface="HY견고딕" pitchFamily="18" charset="-127"/>
+              </a:rPr>
+              <a:t>arr</a:t>
+            </a:r>
+            <a:r>
+              <a:rPr lang="ko-KR" altLang="en-US" sz="1200" dirty="0">
+                <a:latin typeface="HY견고딕" pitchFamily="18" charset="-127"/>
+                <a:ea typeface="HY견고딕" pitchFamily="18" charset="-127"/>
+              </a:rPr>
+              <a:t>에 </a:t>
+            </a:r>
+            <a:r>
+              <a:rPr lang="en-US" altLang="ko-KR" sz="1200" dirty="0">
+                <a:latin typeface="HY견고딕" pitchFamily="18" charset="-127"/>
+                <a:ea typeface="HY견고딕" pitchFamily="18" charset="-127"/>
+              </a:rPr>
+              <a:t>str</a:t>
+            </a:r>
+            <a:r>
+              <a:rPr lang="ko-KR" altLang="en-US" sz="1200" dirty="0">
+                <a:latin typeface="HY견고딕" pitchFamily="18" charset="-127"/>
+                <a:ea typeface="HY견고딕" pitchFamily="18" charset="-127"/>
+              </a:rPr>
+              <a:t>을 </a:t>
+            </a:r>
+            <a:r>
+              <a:rPr lang="en-US" altLang="ko-KR" sz="1200" dirty="0" err="1">
+                <a:latin typeface="HY견고딕" pitchFamily="18" charset="-127"/>
+                <a:ea typeface="HY견고딕" pitchFamily="18" charset="-127"/>
+              </a:rPr>
+              <a:t>c_str</a:t>
+            </a:r>
+            <a:r>
+              <a:rPr lang="en-US" altLang="ko-KR" sz="1200" dirty="0">
+                <a:latin typeface="HY견고딕" pitchFamily="18" charset="-127"/>
+                <a:ea typeface="HY견고딕" pitchFamily="18" charset="-127"/>
+              </a:rPr>
+              <a:t>()</a:t>
+            </a:r>
+            <a:r>
+              <a:rPr lang="ko-KR" altLang="en-US" sz="1200" dirty="0" err="1">
+                <a:latin typeface="HY견고딕" pitchFamily="18" charset="-127"/>
+                <a:ea typeface="HY견고딕" pitchFamily="18" charset="-127"/>
+              </a:rPr>
+              <a:t>한다음</a:t>
+            </a:r>
+            <a:r>
+              <a:rPr lang="ko-KR" altLang="en-US" sz="1200" dirty="0">
+                <a:latin typeface="HY견고딕" pitchFamily="18" charset="-127"/>
+                <a:ea typeface="HY견고딕" pitchFamily="18" charset="-127"/>
+              </a:rPr>
+              <a:t> </a:t>
+            </a:r>
+            <a:r>
+              <a:rPr lang="en-US" altLang="ko-KR" sz="1200" dirty="0">
+                <a:latin typeface="HY견고딕" pitchFamily="18" charset="-127"/>
+                <a:ea typeface="HY견고딕" pitchFamily="18" charset="-127"/>
+              </a:rPr>
+              <a:t>string</a:t>
+            </a:r>
+            <a:r>
+              <a:rPr lang="ko-KR" altLang="en-US" sz="1200" dirty="0">
+                <a:latin typeface="HY견고딕" pitchFamily="18" charset="-127"/>
+                <a:ea typeface="HY견고딕" pitchFamily="18" charset="-127"/>
+              </a:rPr>
+              <a:t>에서 </a:t>
+            </a:r>
+            <a:r>
+              <a:rPr lang="en-US" altLang="ko-KR" sz="1200" dirty="0">
+                <a:latin typeface="HY견고딕" pitchFamily="18" charset="-127"/>
+                <a:ea typeface="HY견고딕" pitchFamily="18" charset="-127"/>
+              </a:rPr>
+              <a:t>char*</a:t>
+            </a:r>
+            <a:r>
+              <a:rPr lang="ko-KR" altLang="en-US" sz="1200" dirty="0">
+                <a:latin typeface="HY견고딕" pitchFamily="18" charset="-127"/>
+                <a:ea typeface="HY견고딕" pitchFamily="18" charset="-127"/>
+              </a:rPr>
+              <a:t>로 강제 </a:t>
+            </a:r>
+            <a:r>
+              <a:rPr lang="ko-KR" altLang="en-US" sz="1200" dirty="0" err="1">
+                <a:latin typeface="HY견고딕" pitchFamily="18" charset="-127"/>
+                <a:ea typeface="HY견고딕" pitchFamily="18" charset="-127"/>
+              </a:rPr>
+              <a:t>형변환</a:t>
+            </a:r>
+            <a:endParaRPr lang="en-US" altLang="ko-KR" sz="1200" dirty="0">
+              <a:latin typeface="HY견고딕" pitchFamily="18" charset="-127"/>
+              <a:ea typeface="HY견고딕" pitchFamily="18" charset="-127"/>
+            </a:endParaRPr>
+          </a:p>
+          <a:p>
+            <a:pPr marL="0" marR="0" lvl="0" indent="0" algn="l" defTabSz="914400" rtl="0" eaLnBrk="1" fontAlgn="auto" latinLnBrk="1" hangingPunct="1">
+              <a:lnSpc>
+                <a:spcPct val="100000"/>
+              </a:lnSpc>
+              <a:spcBef>
+                <a:spcPts val="0"/>
+              </a:spcBef>
+              <a:spcAft>
+                <a:spcPts val="0"/>
+              </a:spcAft>
+              <a:buClrTx/>
+              <a:buSzTx/>
+              <a:buFontTx/>
+              <a:buNone/>
+              <a:tabLst/>
+              <a:defRPr/>
+            </a:pPr>
+            <a:r>
+              <a:rPr lang="en-US" altLang="ko-KR" sz="1200" dirty="0">
+                <a:latin typeface="HY견고딕" pitchFamily="18" charset="-127"/>
+                <a:ea typeface="HY견고딕" pitchFamily="18" charset="-127"/>
+              </a:rPr>
+              <a:t>char* </a:t>
+            </a:r>
+            <a:r>
+              <a:rPr lang="en-US" altLang="ko-KR" sz="1200" dirty="0" err="1">
+                <a:latin typeface="HY견고딕" pitchFamily="18" charset="-127"/>
+                <a:ea typeface="HY견고딕" pitchFamily="18" charset="-127"/>
+              </a:rPr>
+              <a:t>arr</a:t>
+            </a:r>
+            <a:r>
+              <a:rPr lang="en-US" altLang="ko-KR" sz="1200" dirty="0">
+                <a:latin typeface="HY견고딕" pitchFamily="18" charset="-127"/>
+                <a:ea typeface="HY견고딕" pitchFamily="18" charset="-127"/>
+              </a:rPr>
+              <a:t> = (char*)</a:t>
+            </a:r>
+            <a:r>
+              <a:rPr lang="en-US" altLang="ko-KR" sz="1200" dirty="0" err="1">
+                <a:latin typeface="HY견고딕" pitchFamily="18" charset="-127"/>
+                <a:ea typeface="HY견고딕" pitchFamily="18" charset="-127"/>
+              </a:rPr>
+              <a:t>str.c_str</a:t>
+            </a:r>
+            <a:r>
+              <a:rPr lang="en-US" altLang="ko-KR" sz="1200" dirty="0">
+                <a:latin typeface="HY견고딕" pitchFamily="18" charset="-127"/>
+                <a:ea typeface="HY견고딕" pitchFamily="18" charset="-127"/>
+              </a:rPr>
+              <a:t>();</a:t>
+            </a:r>
+          </a:p>
+          <a:p>
             <a:endParaRPr lang="ko-KR" altLang="en-US" dirty="0"/>
           </a:p>
         </p:txBody>
@@ -1340,7 +1428,7 @@
             <a:spLocks noGrp="1"/>
           </p:cNvSpPr>
           <p:nvPr>
-            <p:ph type="sldNum" sz="quarter" idx="10"/>
+            <p:ph type="sldNum" sz="quarter" idx="5"/>
           </p:nvPr>
         </p:nvSpPr>
         <p:spPr/>
@@ -1351,7 +1439,7 @@
             <a:fld id="{15317825-7312-444A-A32A-E4ADCED38ACF}" type="slidenum">
               <a:rPr lang="ko-KR" altLang="en-US" smtClean="0"/>
               <a:pPr/>
-              <a:t>22</a:t>
+              <a:t>9</a:t>
             </a:fld>
             <a:endParaRPr lang="ko-KR" altLang="en-US"/>
           </a:p>
@@ -1360,91 +1448,9 @@
     </p:spTree>
     <p:extLst>
       <p:ext uri="{BB962C8B-B14F-4D97-AF65-F5344CB8AC3E}">
-        <p14:creationId xmlns:p14="http://schemas.microsoft.com/office/powerpoint/2010/main" val="3997535661"/>
+        <p14:creationId xmlns:p14="http://schemas.microsoft.com/office/powerpoint/2010/main" val="2065232333"/>
       </p:ext>
     </p:extLst>
-  </p:cSld>
-  <p:clrMapOvr>
-    <a:masterClrMapping/>
-  </p:clrMapOvr>
-</p:notes>
-</file>
-
-<file path=ppt/notesSlides/notesSlide8.xml><?xml version="1.0" encoding="utf-8"?>
-<p:notes xmlns:a="http://schemas.openxmlformats.org/drawingml/2006/main" xmlns:r="http://schemas.openxmlformats.org/officeDocument/2006/relationships" xmlns:p="http://schemas.openxmlformats.org/presentationml/2006/main">
-  <p:cSld>
-    <p:spTree>
-      <p:nvGrpSpPr>
-        <p:cNvPr id="1" name=""/>
-        <p:cNvGrpSpPr/>
-        <p:nvPr/>
-      </p:nvGrpSpPr>
-      <p:grpSpPr>
-        <a:xfrm>
-          <a:off x="0" y="0"/>
-          <a:ext cx="0" cy="0"/>
-          <a:chOff x="0" y="0"/>
-          <a:chExt cx="0" cy="0"/>
-        </a:xfrm>
-      </p:grpSpPr>
-      <p:sp>
-        <p:nvSpPr>
-          <p:cNvPr id="2" name="슬라이드 이미지 개체 틀 1"/>
-          <p:cNvSpPr>
-            <a:spLocks noGrp="1" noRot="1" noChangeAspect="1"/>
-          </p:cNvSpPr>
-          <p:nvPr>
-            <p:ph type="sldImg"/>
-          </p:nvPr>
-        </p:nvSpPr>
-        <p:spPr/>
-      </p:sp>
-      <p:sp>
-        <p:nvSpPr>
-          <p:cNvPr id="3" name="슬라이드 노트 개체 틀 2"/>
-          <p:cNvSpPr>
-            <a:spLocks noGrp="1"/>
-          </p:cNvSpPr>
-          <p:nvPr>
-            <p:ph type="body" idx="1"/>
-          </p:nvPr>
-        </p:nvSpPr>
-        <p:spPr/>
-        <p:txBody>
-          <a:bodyPr>
-            <a:normAutofit/>
-          </a:bodyPr>
-          <a:lstStyle/>
-          <a:p>
-            <a:endParaRPr lang="ko-KR" altLang="en-US" dirty="0"/>
-          </a:p>
-        </p:txBody>
-      </p:sp>
-      <p:sp>
-        <p:nvSpPr>
-          <p:cNvPr id="4" name="슬라이드 번호 개체 틀 3"/>
-          <p:cNvSpPr>
-            <a:spLocks noGrp="1"/>
-          </p:cNvSpPr>
-          <p:nvPr>
-            <p:ph type="sldNum" sz="quarter" idx="10"/>
-          </p:nvPr>
-        </p:nvSpPr>
-        <p:spPr/>
-        <p:txBody>
-          <a:bodyPr/>
-          <a:lstStyle/>
-          <a:p>
-            <a:fld id="{15317825-7312-444A-A32A-E4ADCED38ACF}" type="slidenum">
-              <a:rPr lang="ko-KR" altLang="en-US" smtClean="0"/>
-              <a:pPr/>
-              <a:t>25</a:t>
-            </a:fld>
-            <a:endParaRPr lang="ko-KR" altLang="en-US"/>
-          </a:p>
-        </p:txBody>
-      </p:sp>
-    </p:spTree>
   </p:cSld>
   <p:clrMapOvr>
     <a:masterClrMapping/>
@@ -24586,7 +24592,7 @@
 </file>
 
 <file path=ppt/slides/slide23.xml><?xml version="1.0" encoding="utf-8"?>
-<p:sld xmlns:a="http://schemas.openxmlformats.org/drawingml/2006/main" xmlns:r="http://schemas.openxmlformats.org/officeDocument/2006/relationships" xmlns:p="http://schemas.openxmlformats.org/presentationml/2006/main">
+<p:sld xmlns:a="http://schemas.openxmlformats.org/drawingml/2006/main" xmlns:r="http://schemas.openxmlformats.org/officeDocument/2006/relationships" xmlns:p="http://schemas.openxmlformats.org/presentationml/2006/main" xmlns:p14="http://schemas.microsoft.com/office/powerpoint/2010/main">
   <p:cSld>
     <p:spTree>
       <p:nvGrpSpPr>
@@ -24610,8 +24616,8 @@
         </p:nvCxnSpPr>
         <p:spPr>
           <a:xfrm>
-            <a:off x="683568" y="-371068"/>
-            <a:ext cx="0" cy="7472476"/>
+            <a:off x="683260" y="-370840"/>
+            <a:ext cx="0" cy="7472680"/>
           </a:xfrm>
           <a:prstGeom prst="line">
             <a:avLst/>
@@ -24648,8 +24654,8 @@
         </p:nvCxnSpPr>
         <p:spPr>
           <a:xfrm flipH="1">
-            <a:off x="692540" y="548680"/>
-            <a:ext cx="9295796" cy="0"/>
+            <a:off x="692785" y="548640"/>
+            <a:ext cx="9295765" cy="0"/>
           </a:xfrm>
           <a:prstGeom prst="line">
             <a:avLst/>
@@ -24686,8 +24692,8 @@
         </p:nvSpPr>
         <p:spPr>
           <a:xfrm>
-            <a:off x="0" y="1318539"/>
-            <a:ext cx="834325" cy="343501"/>
+            <a:off x="0" y="1318260"/>
+            <a:ext cx="834390" cy="343535"/>
           </a:xfrm>
           <a:prstGeom prst="rect">
             <a:avLst/>
@@ -24732,8 +24738,8 @@
         </p:nvSpPr>
         <p:spPr>
           <a:xfrm rot="5400000">
-            <a:off x="712038" y="1648613"/>
-            <a:ext cx="81142" cy="108000"/>
+            <a:off x="711835" y="1648460"/>
+            <a:ext cx="81280" cy="107950"/>
           </a:xfrm>
           <a:prstGeom prst="rtTriangle">
             <a:avLst/>
@@ -24780,8 +24786,8 @@
         </p:nvSpPr>
         <p:spPr>
           <a:xfrm>
-            <a:off x="123549" y="882386"/>
-            <a:ext cx="541363" cy="338554"/>
+            <a:off x="123825" y="882650"/>
+            <a:ext cx="541655" cy="338455"/>
           </a:xfrm>
           <a:prstGeom prst="rect">
             <a:avLst/>
@@ -24824,8 +24830,8 @@
         </p:nvSpPr>
         <p:spPr>
           <a:xfrm>
-            <a:off x="107504" y="1340768"/>
-            <a:ext cx="450395" cy="338554"/>
+            <a:off x="107315" y="1340485"/>
+            <a:ext cx="450215" cy="338455"/>
           </a:xfrm>
           <a:prstGeom prst="rect">
             <a:avLst/>
@@ -24869,8 +24875,8 @@
         </p:nvSpPr>
         <p:spPr>
           <a:xfrm>
-            <a:off x="107504" y="1819563"/>
-            <a:ext cx="450395" cy="338554"/>
+            <a:off x="107315" y="1819275"/>
+            <a:ext cx="450215" cy="338455"/>
           </a:xfrm>
           <a:prstGeom prst="rect">
             <a:avLst/>
@@ -24908,1579 +24914,1225 @@
       <p:sp>
         <p:nvSpPr>
           <p:cNvPr id="15" name="TextBox 14"/>
-          <p:cNvSpPr txBox="1"/>
+          <p:cNvSpPr txBox="1">
+            <a:spLocks/>
+          </p:cNvSpPr>
           <p:nvPr/>
         </p:nvSpPr>
         <p:spPr>
-          <a:xfrm>
-            <a:off x="1259632" y="780108"/>
-            <a:ext cx="4202138" cy="6586418"/>
+          <a:xfrm rot="0">
+            <a:off x="1259840" y="780415"/>
+            <a:ext cx="4710430" cy="6334760"/>
           </a:xfrm>
-          <a:prstGeom prst="rect">
-            <a:avLst/>
-          </a:prstGeom>
+          <a:prstGeom prst="rect"/>
           <a:noFill/>
         </p:spPr>
         <p:txBody>
-          <a:bodyPr wrap="square" rtlCol="0">
+          <a:bodyPr wrap="square" lIns="91440" tIns="45720" rIns="91440" bIns="45720" numCol="1" vert="horz" anchor="t">
             <a:spAutoFit/>
           </a:bodyPr>
           <a:lstStyle/>
           <a:p>
-            <a:pPr marL="285750" indent="-285750">
-              <a:buFont typeface="Arial" pitchFamily="34" charset="0"/>
+            <a:pPr marL="285750" indent="-285750" latinLnBrk="0">
+              <a:buFont typeface="Arial"/>
               <a:buChar char="•"/>
             </a:pPr>
             <a:r>
-              <a:rPr lang="en-US" altLang="ko-KR" sz="1400" dirty="0">
-                <a:ln>
-                  <a:solidFill>
-                    <a:schemeClr val="tx1">
-                      <a:alpha val="30000"/>
-                    </a:schemeClr>
-                  </a:solidFill>
+              <a:rPr lang="en-US" altLang="ko-KR" sz="1400">
+                <a:ln w="9525" cap="flat" cmpd="sng">
+                  <a:solidFill>
+                    <a:schemeClr val="tx1">
+                      <a:alpha val="29803"/>
+                    </a:schemeClr>
+                  </a:solidFill>
+                  <a:prstDash val="solid"/>
                 </a:ln>
                 <a:solidFill>
                   <a:srgbClr val="272123"/>
                 </a:solidFill>
-                <a:latin typeface="HY견고딕" pitchFamily="18" charset="-127"/>
-                <a:ea typeface="HY견고딕" pitchFamily="18" charset="-127"/>
+                <a:latin typeface="HY견고딕" charset="0"/>
+                <a:ea typeface="HY견고딕" charset="0"/>
               </a:rPr>
               <a:t>C++ style </a:t>
             </a:r>
             <a:r>
-              <a:rPr lang="ko-KR" altLang="en-US" sz="1400" dirty="0" err="1">
-                <a:ln>
-                  <a:solidFill>
-                    <a:schemeClr val="tx1">
-                      <a:alpha val="30000"/>
-                    </a:schemeClr>
-                  </a:solidFill>
+              <a:rPr lang="ko-KR" altLang="en-US" sz="1400">
+                <a:ln w="9525" cap="flat" cmpd="sng">
+                  <a:solidFill>
+                    <a:schemeClr val="tx1">
+                      <a:alpha val="29803"/>
+                    </a:schemeClr>
+                  </a:solidFill>
+                  <a:prstDash val="solid"/>
                 </a:ln>
                 <a:solidFill>
                   <a:srgbClr val="272123"/>
                 </a:solidFill>
-                <a:latin typeface="HY견고딕" pitchFamily="18" charset="-127"/>
-                <a:ea typeface="HY견고딕" pitchFamily="18" charset="-127"/>
-              </a:rPr>
-              <a:t>동적할당</a:t>
-            </a:r>
-            <a:r>
-              <a:rPr lang="ko-KR" altLang="en-US" sz="1400" dirty="0">
-                <a:ln>
-                  <a:solidFill>
-                    <a:schemeClr val="tx1">
-                      <a:alpha val="30000"/>
-                    </a:schemeClr>
-                  </a:solidFill>
-                </a:ln>
-                <a:solidFill>
-                  <a:srgbClr val="272123"/>
-                </a:solidFill>
-                <a:latin typeface="HY견고딕" pitchFamily="18" charset="-127"/>
-                <a:ea typeface="HY견고딕" pitchFamily="18" charset="-127"/>
-              </a:rPr>
-              <a:t> 예제</a:t>
-            </a:r>
-            <a:endParaRPr lang="en-US" altLang="ko-KR" sz="1400" dirty="0">
-              <a:ln>
+                <a:latin typeface="HY견고딕" charset="0"/>
+                <a:ea typeface="HY견고딕" charset="0"/>
+              </a:rPr>
+              <a:t>동적할당 예제</a:t>
+            </a:r>
+            <a:endParaRPr lang="ko-KR" altLang="en-US" sz="1400">
+              <a:ln w="9525" cap="flat" cmpd="sng">
                 <a:solidFill>
                   <a:schemeClr val="tx1">
-                    <a:alpha val="30000"/>
+                    <a:alpha val="29803"/>
                   </a:schemeClr>
                 </a:solidFill>
+                <a:prstDash val="solid"/>
               </a:ln>
               <a:solidFill>
                 <a:srgbClr val="272123"/>
               </a:solidFill>
-              <a:latin typeface="HY견고딕" pitchFamily="18" charset="-127"/>
-              <a:ea typeface="HY견고딕" pitchFamily="18" charset="-127"/>
+              <a:latin typeface="HY견고딕" charset="0"/>
+              <a:ea typeface="HY견고딕" charset="0"/>
             </a:endParaRPr>
           </a:p>
           <a:p>
-            <a:pPr marL="285750" indent="-285750"/>
-            <a:r>
-              <a:rPr lang="en-US" altLang="ko-KR" sz="1400" dirty="0">
-                <a:ln>
-                  <a:solidFill>
-                    <a:schemeClr val="tx1">
-                      <a:alpha val="30000"/>
-                    </a:schemeClr>
-                  </a:solidFill>
+            <a:pPr marL="285750" indent="-285750" latinLnBrk="0">
+              <a:buFontTx/>
+              <a:buNone/>
+            </a:pPr>
+            <a:r>
+              <a:rPr lang="en-US" altLang="ko-KR" sz="1400">
+                <a:ln w="9525" cap="flat" cmpd="sng">
+                  <a:solidFill>
+                    <a:schemeClr val="tx1">
+                      <a:alpha val="29803"/>
+                    </a:schemeClr>
+                  </a:solidFill>
+                  <a:prstDash val="solid"/>
                 </a:ln>
                 <a:solidFill>
                   <a:srgbClr val="272123"/>
                 </a:solidFill>
-                <a:latin typeface="HY견고딕" pitchFamily="18" charset="-127"/>
-                <a:ea typeface="HY견고딕" pitchFamily="18" charset="-127"/>
+                <a:latin typeface="HY견고딕" charset="0"/>
+                <a:ea typeface="HY견고딕" charset="0"/>
               </a:rPr>
               <a:t> </a:t>
             </a:r>
-          </a:p>
-          <a:p>
-            <a:pPr marL="285750" indent="-285750"/>
-            <a:r>
-              <a:rPr lang="en-US" altLang="ko-KR" sz="1400" dirty="0">
-                <a:ln>
-                  <a:solidFill>
-                    <a:schemeClr val="tx1">
-                      <a:alpha val="30000"/>
-                    </a:schemeClr>
-                  </a:solidFill>
-                </a:ln>
-                <a:solidFill>
-                  <a:srgbClr val="272123"/>
-                </a:solidFill>
-                <a:latin typeface="HY견고딕" pitchFamily="18" charset="-127"/>
-                <a:ea typeface="HY견고딕" pitchFamily="18" charset="-127"/>
-              </a:rPr>
-              <a:t> #include &lt;</a:t>
-            </a:r>
-            <a:r>
-              <a:rPr lang="en-US" altLang="ko-KR" sz="1400" dirty="0" err="1">
-                <a:ln>
-                  <a:solidFill>
-                    <a:schemeClr val="tx1">
-                      <a:alpha val="30000"/>
-                    </a:schemeClr>
-                  </a:solidFill>
-                </a:ln>
-                <a:solidFill>
-                  <a:srgbClr val="272123"/>
-                </a:solidFill>
-                <a:latin typeface="HY견고딕" pitchFamily="18" charset="-127"/>
-                <a:ea typeface="HY견고딕" pitchFamily="18" charset="-127"/>
-              </a:rPr>
-              <a:t>iostream</a:t>
-            </a:r>
-            <a:r>
-              <a:rPr lang="en-US" altLang="ko-KR" sz="1400" dirty="0">
-                <a:ln>
-                  <a:solidFill>
-                    <a:schemeClr val="tx1">
-                      <a:alpha val="30000"/>
-                    </a:schemeClr>
-                  </a:solidFill>
-                </a:ln>
-                <a:solidFill>
-                  <a:srgbClr val="272123"/>
-                </a:solidFill>
-                <a:latin typeface="HY견고딕" pitchFamily="18" charset="-127"/>
-                <a:ea typeface="HY견고딕" pitchFamily="18" charset="-127"/>
-              </a:rPr>
-              <a:t>&gt;</a:t>
-            </a:r>
-          </a:p>
-          <a:p>
-            <a:pPr marL="285750" indent="-285750"/>
-            <a:r>
-              <a:rPr lang="en-US" altLang="ko-KR" sz="1400" dirty="0">
-                <a:ln>
-                  <a:solidFill>
-                    <a:schemeClr val="tx1">
-                      <a:alpha val="30000"/>
-                    </a:schemeClr>
-                  </a:solidFill>
-                </a:ln>
-                <a:solidFill>
-                  <a:srgbClr val="272123"/>
-                </a:solidFill>
-                <a:latin typeface="HY견고딕" pitchFamily="18" charset="-127"/>
-                <a:ea typeface="HY견고딕" pitchFamily="18" charset="-127"/>
-              </a:rPr>
-              <a:t> #include &lt;string&gt;</a:t>
-            </a:r>
-          </a:p>
-          <a:p>
-            <a:pPr marL="285750" indent="-285750"/>
-            <a:r>
-              <a:rPr lang="en-US" altLang="ko-KR" sz="1400" dirty="0">
-                <a:ln>
-                  <a:solidFill>
-                    <a:schemeClr val="tx1">
-                      <a:alpha val="30000"/>
-                    </a:schemeClr>
-                  </a:solidFill>
-                </a:ln>
-                <a:solidFill>
-                  <a:srgbClr val="272123"/>
-                </a:solidFill>
-                <a:latin typeface="HY견고딕" pitchFamily="18" charset="-127"/>
-                <a:ea typeface="HY견고딕" pitchFamily="18" charset="-127"/>
-              </a:rPr>
-              <a:t> using namespace </a:t>
-            </a:r>
-            <a:r>
-              <a:rPr lang="en-US" altLang="ko-KR" sz="1400" dirty="0" err="1">
-                <a:ln>
-                  <a:solidFill>
-                    <a:schemeClr val="tx1">
-                      <a:alpha val="30000"/>
-                    </a:schemeClr>
-                  </a:solidFill>
-                </a:ln>
-                <a:solidFill>
-                  <a:srgbClr val="272123"/>
-                </a:solidFill>
-                <a:latin typeface="HY견고딕" pitchFamily="18" charset="-127"/>
-                <a:ea typeface="HY견고딕" pitchFamily="18" charset="-127"/>
-              </a:rPr>
-              <a:t>std</a:t>
-            </a:r>
-            <a:r>
-              <a:rPr lang="en-US" altLang="ko-KR" sz="1400" dirty="0">
-                <a:ln>
-                  <a:solidFill>
-                    <a:schemeClr val="tx1">
-                      <a:alpha val="30000"/>
-                    </a:schemeClr>
-                  </a:solidFill>
-                </a:ln>
-                <a:solidFill>
-                  <a:srgbClr val="272123"/>
-                </a:solidFill>
-                <a:latin typeface="HY견고딕" pitchFamily="18" charset="-127"/>
-                <a:ea typeface="HY견고딕" pitchFamily="18" charset="-127"/>
-              </a:rPr>
-              <a:t>;</a:t>
-            </a:r>
-          </a:p>
-          <a:p>
-            <a:pPr marL="285750" indent="-285750"/>
-            <a:endParaRPr lang="en-US" altLang="ko-KR" sz="1400" dirty="0">
-              <a:ln>
+            <a:endParaRPr lang="ko-KR" altLang="en-US" sz="1400">
+              <a:ln w="9525" cap="flat" cmpd="sng">
                 <a:solidFill>
                   <a:schemeClr val="tx1">
-                    <a:alpha val="30000"/>
+                    <a:alpha val="29803"/>
                   </a:schemeClr>
                 </a:solidFill>
+                <a:prstDash val="solid"/>
               </a:ln>
               <a:solidFill>
                 <a:srgbClr val="272123"/>
               </a:solidFill>
-              <a:latin typeface="HY견고딕" pitchFamily="18" charset="-127"/>
-              <a:ea typeface="HY견고딕" pitchFamily="18" charset="-127"/>
+              <a:latin typeface="HY견고딕" charset="0"/>
+              <a:ea typeface="HY견고딕" charset="0"/>
             </a:endParaRPr>
           </a:p>
           <a:p>
-            <a:pPr marL="285750" indent="-285750"/>
-            <a:r>
-              <a:rPr lang="en-US" altLang="ko-KR" sz="1400" dirty="0">
-                <a:ln>
-                  <a:solidFill>
-                    <a:schemeClr val="tx1">
-                      <a:alpha val="30000"/>
-                    </a:schemeClr>
-                  </a:solidFill>
+            <a:pPr marL="285750" indent="-285750" latinLnBrk="0">
+              <a:buFontTx/>
+              <a:buNone/>
+            </a:pPr>
+            <a:r>
+              <a:rPr lang="en-US" altLang="ko-KR" sz="1400">
+                <a:ln w="9525" cap="flat" cmpd="sng">
+                  <a:solidFill>
+                    <a:schemeClr val="tx1">
+                      <a:alpha val="29803"/>
+                    </a:schemeClr>
+                  </a:solidFill>
+                  <a:prstDash val="solid"/>
                 </a:ln>
                 <a:solidFill>
                   <a:srgbClr val="272123"/>
                 </a:solidFill>
-                <a:latin typeface="HY견고딕" pitchFamily="18" charset="-127"/>
-                <a:ea typeface="HY견고딕" pitchFamily="18" charset="-127"/>
-              </a:rPr>
-              <a:t> void main()</a:t>
-            </a:r>
-          </a:p>
-          <a:p>
-            <a:pPr marL="285750" indent="-285750"/>
-            <a:r>
-              <a:rPr lang="en-US" altLang="ko-KR" sz="1400" dirty="0">
-                <a:ln>
-                  <a:solidFill>
-                    <a:schemeClr val="tx1">
-                      <a:alpha val="30000"/>
-                    </a:schemeClr>
-                  </a:solidFill>
-                </a:ln>
-                <a:solidFill>
-                  <a:srgbClr val="272123"/>
-                </a:solidFill>
-                <a:latin typeface="HY견고딕" pitchFamily="18" charset="-127"/>
-                <a:ea typeface="HY견고딕" pitchFamily="18" charset="-127"/>
-              </a:rPr>
-              <a:t>{</a:t>
-            </a:r>
-          </a:p>
-          <a:p>
-            <a:pPr marL="285750" indent="-285750"/>
-            <a:r>
-              <a:rPr lang="en-US" altLang="ko-KR" sz="1400" dirty="0">
-                <a:ln>
-                  <a:solidFill>
-                    <a:schemeClr val="tx1">
-                      <a:alpha val="30000"/>
-                    </a:schemeClr>
-                  </a:solidFill>
-                </a:ln>
-                <a:solidFill>
-                  <a:srgbClr val="272123"/>
-                </a:solidFill>
-                <a:latin typeface="HY견고딕" pitchFamily="18" charset="-127"/>
-                <a:ea typeface="HY견고딕" pitchFamily="18" charset="-127"/>
-              </a:rPr>
-              <a:t>	</a:t>
-            </a:r>
-            <a:r>
-              <a:rPr lang="en-US" altLang="ko-KR" sz="1400" dirty="0" err="1">
-                <a:ln>
-                  <a:solidFill>
-                    <a:schemeClr val="tx1">
-                      <a:alpha val="30000"/>
-                    </a:schemeClr>
-                  </a:solidFill>
-                </a:ln>
-                <a:solidFill>
-                  <a:srgbClr val="272123"/>
-                </a:solidFill>
-                <a:latin typeface="HY견고딕" pitchFamily="18" charset="-127"/>
-                <a:ea typeface="HY견고딕" pitchFamily="18" charset="-127"/>
-              </a:rPr>
-              <a:t>int</a:t>
-            </a:r>
-            <a:r>
-              <a:rPr lang="en-US" altLang="ko-KR" sz="1400" dirty="0">
-                <a:ln>
-                  <a:solidFill>
-                    <a:schemeClr val="tx1">
-                      <a:alpha val="30000"/>
-                    </a:schemeClr>
-                  </a:solidFill>
-                </a:ln>
-                <a:solidFill>
-                  <a:srgbClr val="272123"/>
-                </a:solidFill>
-                <a:latin typeface="HY견고딕" pitchFamily="18" charset="-127"/>
-                <a:ea typeface="HY견고딕" pitchFamily="18" charset="-127"/>
-              </a:rPr>
-              <a:t> size;</a:t>
-            </a:r>
-          </a:p>
-          <a:p>
-            <a:pPr marL="285750" indent="-285750"/>
-            <a:r>
-              <a:rPr lang="en-US" altLang="ko-KR" sz="1400" dirty="0">
-                <a:ln>
-                  <a:solidFill>
-                    <a:schemeClr val="tx1">
-                      <a:alpha val="30000"/>
-                    </a:schemeClr>
-                  </a:solidFill>
-                </a:ln>
-                <a:solidFill>
-                  <a:srgbClr val="272123"/>
-                </a:solidFill>
-                <a:latin typeface="HY견고딕" pitchFamily="18" charset="-127"/>
-                <a:ea typeface="HY견고딕" pitchFamily="18" charset="-127"/>
-              </a:rPr>
-              <a:t>	string* student;</a:t>
-            </a:r>
-          </a:p>
-          <a:p>
-            <a:pPr marL="285750" indent="-285750"/>
-            <a:r>
-              <a:rPr lang="en-US" altLang="ko-KR" sz="1400" dirty="0">
-                <a:ln>
-                  <a:solidFill>
-                    <a:schemeClr val="tx1">
-                      <a:alpha val="30000"/>
-                    </a:schemeClr>
-                  </a:solidFill>
-                </a:ln>
-                <a:solidFill>
-                  <a:srgbClr val="272123"/>
-                </a:solidFill>
-                <a:latin typeface="HY견고딕" pitchFamily="18" charset="-127"/>
-                <a:ea typeface="HY견고딕" pitchFamily="18" charset="-127"/>
-              </a:rPr>
-              <a:t>	</a:t>
-            </a:r>
-            <a:r>
-              <a:rPr lang="en-US" altLang="ko-KR" sz="1400" dirty="0" err="1">
-                <a:ln>
-                  <a:solidFill>
-                    <a:schemeClr val="tx1">
-                      <a:alpha val="30000"/>
-                    </a:schemeClr>
-                  </a:solidFill>
-                </a:ln>
-                <a:solidFill>
-                  <a:srgbClr val="272123"/>
-                </a:solidFill>
-                <a:latin typeface="HY견고딕" pitchFamily="18" charset="-127"/>
-                <a:ea typeface="HY견고딕" pitchFamily="18" charset="-127"/>
-              </a:rPr>
-              <a:t>cout</a:t>
-            </a:r>
-            <a:r>
-              <a:rPr lang="en-US" altLang="ko-KR" sz="1400" dirty="0">
-                <a:ln>
-                  <a:solidFill>
-                    <a:schemeClr val="tx1">
-                      <a:alpha val="30000"/>
-                    </a:schemeClr>
-                  </a:solidFill>
-                </a:ln>
-                <a:solidFill>
-                  <a:srgbClr val="272123"/>
-                </a:solidFill>
-                <a:latin typeface="HY견고딕" pitchFamily="18" charset="-127"/>
-                <a:ea typeface="HY견고딕" pitchFamily="18" charset="-127"/>
-              </a:rPr>
-              <a:t> &lt;&lt; "</a:t>
-            </a:r>
-            <a:r>
-              <a:rPr lang="ko-KR" altLang="en-US" sz="1400" dirty="0">
-                <a:ln>
-                  <a:solidFill>
-                    <a:schemeClr val="tx1">
-                      <a:alpha val="30000"/>
-                    </a:schemeClr>
-                  </a:solidFill>
-                </a:ln>
-                <a:solidFill>
-                  <a:srgbClr val="272123"/>
-                </a:solidFill>
-                <a:latin typeface="HY견고딕" pitchFamily="18" charset="-127"/>
-                <a:ea typeface="HY견고딕" pitchFamily="18" charset="-127"/>
-              </a:rPr>
-              <a:t>등록할 학생수를 입력하시오</a:t>
-            </a:r>
-            <a:r>
-              <a:rPr lang="en-US" altLang="ko-KR" sz="1400" dirty="0">
-                <a:ln>
-                  <a:solidFill>
-                    <a:schemeClr val="tx1">
-                      <a:alpha val="30000"/>
-                    </a:schemeClr>
-                  </a:solidFill>
-                </a:ln>
-                <a:solidFill>
-                  <a:srgbClr val="272123"/>
-                </a:solidFill>
-                <a:latin typeface="HY견고딕" pitchFamily="18" charset="-127"/>
-                <a:ea typeface="HY견고딕" pitchFamily="18" charset="-127"/>
-              </a:rPr>
-              <a:t>\n";</a:t>
-            </a:r>
-          </a:p>
-          <a:p>
-            <a:pPr marL="285750" indent="-285750"/>
-            <a:r>
-              <a:rPr lang="en-US" altLang="ko-KR" sz="1400" dirty="0">
-                <a:ln>
-                  <a:solidFill>
-                    <a:schemeClr val="tx1">
-                      <a:alpha val="30000"/>
-                    </a:schemeClr>
-                  </a:solidFill>
-                </a:ln>
-                <a:solidFill>
-                  <a:srgbClr val="272123"/>
-                </a:solidFill>
-                <a:latin typeface="HY견고딕" pitchFamily="18" charset="-127"/>
-                <a:ea typeface="HY견고딕" pitchFamily="18" charset="-127"/>
-              </a:rPr>
-              <a:t>	</a:t>
-            </a:r>
-            <a:r>
-              <a:rPr lang="en-US" altLang="ko-KR" sz="1400" dirty="0" err="1">
-                <a:ln>
-                  <a:solidFill>
-                    <a:schemeClr val="tx1">
-                      <a:alpha val="30000"/>
-                    </a:schemeClr>
-                  </a:solidFill>
-                </a:ln>
-                <a:solidFill>
-                  <a:srgbClr val="272123"/>
-                </a:solidFill>
-                <a:latin typeface="HY견고딕" pitchFamily="18" charset="-127"/>
-                <a:ea typeface="HY견고딕" pitchFamily="18" charset="-127"/>
-              </a:rPr>
-              <a:t>cin</a:t>
-            </a:r>
-            <a:r>
-              <a:rPr lang="en-US" altLang="ko-KR" sz="1400" dirty="0">
-                <a:ln>
-                  <a:solidFill>
-                    <a:schemeClr val="tx1">
-                      <a:alpha val="30000"/>
-                    </a:schemeClr>
-                  </a:solidFill>
-                </a:ln>
-                <a:solidFill>
-                  <a:srgbClr val="272123"/>
-                </a:solidFill>
-                <a:latin typeface="HY견고딕" pitchFamily="18" charset="-127"/>
-                <a:ea typeface="HY견고딕" pitchFamily="18" charset="-127"/>
-              </a:rPr>
-              <a:t> &gt;&gt; size;</a:t>
-            </a:r>
-          </a:p>
-          <a:p>
-            <a:pPr marL="285750" indent="-285750"/>
-            <a:r>
-              <a:rPr lang="en-US" altLang="ko-KR" sz="1400" dirty="0">
-                <a:ln>
-                  <a:solidFill>
-                    <a:schemeClr val="tx1">
-                      <a:alpha val="30000"/>
-                    </a:schemeClr>
-                  </a:solidFill>
-                </a:ln>
-                <a:solidFill>
-                  <a:srgbClr val="272123"/>
-                </a:solidFill>
-                <a:latin typeface="HY견고딕" pitchFamily="18" charset="-127"/>
-                <a:ea typeface="HY견고딕" pitchFamily="18" charset="-127"/>
-              </a:rPr>
-              <a:t>	student = new string[size];</a:t>
-            </a:r>
-          </a:p>
-          <a:p>
-            <a:pPr marL="285750" indent="-285750"/>
-            <a:r>
-              <a:rPr lang="en-US" altLang="ko-KR" sz="1400" dirty="0">
-                <a:ln>
-                  <a:solidFill>
-                    <a:schemeClr val="tx1">
-                      <a:alpha val="30000"/>
-                    </a:schemeClr>
-                  </a:solidFill>
-                </a:ln>
-                <a:solidFill>
-                  <a:srgbClr val="272123"/>
-                </a:solidFill>
-                <a:latin typeface="HY견고딕" pitchFamily="18" charset="-127"/>
-                <a:ea typeface="HY견고딕" pitchFamily="18" charset="-127"/>
-              </a:rPr>
-              <a:t>	</a:t>
-            </a:r>
-          </a:p>
-          <a:p>
-            <a:pPr marL="285750" indent="-285750"/>
-            <a:r>
-              <a:rPr lang="en-US" altLang="ko-KR" sz="1400" dirty="0">
-                <a:ln>
-                  <a:solidFill>
-                    <a:schemeClr val="tx1">
-                      <a:alpha val="30000"/>
-                    </a:schemeClr>
-                  </a:solidFill>
-                </a:ln>
-                <a:solidFill>
-                  <a:srgbClr val="272123"/>
-                </a:solidFill>
-                <a:latin typeface="HY견고딕" pitchFamily="18" charset="-127"/>
-                <a:ea typeface="HY견고딕" pitchFamily="18" charset="-127"/>
-              </a:rPr>
-              <a:t>	for(</a:t>
-            </a:r>
-            <a:r>
-              <a:rPr lang="en-US" altLang="ko-KR" sz="1400" dirty="0" err="1">
-                <a:ln>
-                  <a:solidFill>
-                    <a:schemeClr val="tx1">
-                      <a:alpha val="30000"/>
-                    </a:schemeClr>
-                  </a:solidFill>
-                </a:ln>
-                <a:solidFill>
-                  <a:srgbClr val="272123"/>
-                </a:solidFill>
-                <a:latin typeface="HY견고딕" pitchFamily="18" charset="-127"/>
-                <a:ea typeface="HY견고딕" pitchFamily="18" charset="-127"/>
-              </a:rPr>
-              <a:t>int</a:t>
-            </a:r>
-            <a:r>
-              <a:rPr lang="en-US" altLang="ko-KR" sz="1400" dirty="0">
-                <a:ln>
-                  <a:solidFill>
-                    <a:schemeClr val="tx1">
-                      <a:alpha val="30000"/>
-                    </a:schemeClr>
-                  </a:solidFill>
-                </a:ln>
-                <a:solidFill>
-                  <a:srgbClr val="272123"/>
-                </a:solidFill>
-                <a:latin typeface="HY견고딕" pitchFamily="18" charset="-127"/>
-                <a:ea typeface="HY견고딕" pitchFamily="18" charset="-127"/>
-              </a:rPr>
-              <a:t> </a:t>
-            </a:r>
-            <a:r>
-              <a:rPr lang="en-US" altLang="ko-KR" sz="1400" dirty="0" err="1">
-                <a:ln>
-                  <a:solidFill>
-                    <a:schemeClr val="tx1">
-                      <a:alpha val="30000"/>
-                    </a:schemeClr>
-                  </a:solidFill>
-                </a:ln>
-                <a:solidFill>
-                  <a:srgbClr val="272123"/>
-                </a:solidFill>
-                <a:latin typeface="HY견고딕" pitchFamily="18" charset="-127"/>
-                <a:ea typeface="HY견고딕" pitchFamily="18" charset="-127"/>
-              </a:rPr>
-              <a:t>i</a:t>
-            </a:r>
-            <a:r>
-              <a:rPr lang="en-US" altLang="ko-KR" sz="1400" dirty="0">
-                <a:ln>
-                  <a:solidFill>
-                    <a:schemeClr val="tx1">
-                      <a:alpha val="30000"/>
-                    </a:schemeClr>
-                  </a:solidFill>
-                </a:ln>
-                <a:solidFill>
-                  <a:srgbClr val="272123"/>
-                </a:solidFill>
-                <a:latin typeface="HY견고딕" pitchFamily="18" charset="-127"/>
-                <a:ea typeface="HY견고딕" pitchFamily="18" charset="-127"/>
-              </a:rPr>
-              <a:t> = 0 ; </a:t>
-            </a:r>
-            <a:r>
-              <a:rPr lang="en-US" altLang="ko-KR" sz="1400" dirty="0" err="1">
-                <a:ln>
-                  <a:solidFill>
-                    <a:schemeClr val="tx1">
-                      <a:alpha val="30000"/>
-                    </a:schemeClr>
-                  </a:solidFill>
-                </a:ln>
-                <a:solidFill>
-                  <a:srgbClr val="272123"/>
-                </a:solidFill>
-                <a:latin typeface="HY견고딕" pitchFamily="18" charset="-127"/>
-                <a:ea typeface="HY견고딕" pitchFamily="18" charset="-127"/>
-              </a:rPr>
-              <a:t>i</a:t>
-            </a:r>
-            <a:r>
-              <a:rPr lang="en-US" altLang="ko-KR" sz="1400" dirty="0">
-                <a:ln>
-                  <a:solidFill>
-                    <a:schemeClr val="tx1">
-                      <a:alpha val="30000"/>
-                    </a:schemeClr>
-                  </a:solidFill>
-                </a:ln>
-                <a:solidFill>
-                  <a:srgbClr val="272123"/>
-                </a:solidFill>
-                <a:latin typeface="HY견고딕" pitchFamily="18" charset="-127"/>
-                <a:ea typeface="HY견고딕" pitchFamily="18" charset="-127"/>
-              </a:rPr>
-              <a:t> &lt; size; </a:t>
-            </a:r>
-            <a:r>
-              <a:rPr lang="en-US" altLang="ko-KR" sz="1400" dirty="0" err="1">
-                <a:ln>
-                  <a:solidFill>
-                    <a:schemeClr val="tx1">
-                      <a:alpha val="30000"/>
-                    </a:schemeClr>
-                  </a:solidFill>
-                </a:ln>
-                <a:solidFill>
-                  <a:srgbClr val="272123"/>
-                </a:solidFill>
-                <a:latin typeface="HY견고딕" pitchFamily="18" charset="-127"/>
-                <a:ea typeface="HY견고딕" pitchFamily="18" charset="-127"/>
-              </a:rPr>
-              <a:t>i</a:t>
-            </a:r>
-            <a:r>
-              <a:rPr lang="en-US" altLang="ko-KR" sz="1400" dirty="0">
-                <a:ln>
-                  <a:solidFill>
-                    <a:schemeClr val="tx1">
-                      <a:alpha val="30000"/>
-                    </a:schemeClr>
-                  </a:solidFill>
-                </a:ln>
-                <a:solidFill>
-                  <a:srgbClr val="272123"/>
-                </a:solidFill>
-                <a:latin typeface="HY견고딕" pitchFamily="18" charset="-127"/>
-                <a:ea typeface="HY견고딕" pitchFamily="18" charset="-127"/>
-              </a:rPr>
-              <a:t>++)</a:t>
-            </a:r>
-          </a:p>
-          <a:p>
-            <a:pPr marL="285750" indent="-285750"/>
-            <a:r>
-              <a:rPr lang="en-US" altLang="ko-KR" sz="1400" dirty="0">
-                <a:ln>
-                  <a:solidFill>
-                    <a:schemeClr val="tx1">
-                      <a:alpha val="30000"/>
-                    </a:schemeClr>
-                  </a:solidFill>
-                </a:ln>
-                <a:solidFill>
-                  <a:srgbClr val="272123"/>
-                </a:solidFill>
-                <a:latin typeface="HY견고딕" pitchFamily="18" charset="-127"/>
-                <a:ea typeface="HY견고딕" pitchFamily="18" charset="-127"/>
-              </a:rPr>
-              <a:t>	{</a:t>
-            </a:r>
-          </a:p>
-          <a:p>
-            <a:pPr marL="285750" indent="-285750"/>
-            <a:r>
-              <a:rPr lang="en-US" altLang="ko-KR" sz="1400" dirty="0">
-                <a:ln>
-                  <a:solidFill>
-                    <a:schemeClr val="tx1">
-                      <a:alpha val="30000"/>
-                    </a:schemeClr>
-                  </a:solidFill>
-                </a:ln>
-                <a:solidFill>
-                  <a:srgbClr val="272123"/>
-                </a:solidFill>
-                <a:latin typeface="HY견고딕" pitchFamily="18" charset="-127"/>
-                <a:ea typeface="HY견고딕" pitchFamily="18" charset="-127"/>
-              </a:rPr>
-              <a:t>		</a:t>
-            </a:r>
-            <a:r>
-              <a:rPr lang="en-US" altLang="ko-KR" sz="1400" dirty="0" err="1">
-                <a:ln>
-                  <a:solidFill>
-                    <a:schemeClr val="tx1">
-                      <a:alpha val="30000"/>
-                    </a:schemeClr>
-                  </a:solidFill>
-                </a:ln>
-                <a:solidFill>
-                  <a:srgbClr val="272123"/>
-                </a:solidFill>
-                <a:latin typeface="HY견고딕" pitchFamily="18" charset="-127"/>
-                <a:ea typeface="HY견고딕" pitchFamily="18" charset="-127"/>
-              </a:rPr>
-              <a:t>cout</a:t>
-            </a:r>
-            <a:r>
-              <a:rPr lang="en-US" altLang="ko-KR" sz="1400" dirty="0">
-                <a:ln>
-                  <a:solidFill>
-                    <a:schemeClr val="tx1">
-                      <a:alpha val="30000"/>
-                    </a:schemeClr>
-                  </a:solidFill>
-                </a:ln>
-                <a:solidFill>
-                  <a:srgbClr val="272123"/>
-                </a:solidFill>
-                <a:latin typeface="HY견고딕" pitchFamily="18" charset="-127"/>
-                <a:ea typeface="HY견고딕" pitchFamily="18" charset="-127"/>
-              </a:rPr>
-              <a:t> &lt;&lt; i+1 &lt;&lt;"</a:t>
-            </a:r>
-            <a:r>
-              <a:rPr lang="ko-KR" altLang="en-US" sz="1400" dirty="0">
-                <a:ln>
-                  <a:solidFill>
-                    <a:schemeClr val="tx1">
-                      <a:alpha val="30000"/>
-                    </a:schemeClr>
-                  </a:solidFill>
-                </a:ln>
-                <a:solidFill>
-                  <a:srgbClr val="272123"/>
-                </a:solidFill>
-                <a:latin typeface="HY견고딕" pitchFamily="18" charset="-127"/>
-                <a:ea typeface="HY견고딕" pitchFamily="18" charset="-127"/>
-              </a:rPr>
-              <a:t>번 학생 이름 등록</a:t>
-            </a:r>
-            <a:r>
-              <a:rPr lang="en-US" altLang="ko-KR" sz="1400" dirty="0">
-                <a:ln>
-                  <a:solidFill>
-                    <a:schemeClr val="tx1">
-                      <a:alpha val="30000"/>
-                    </a:schemeClr>
-                  </a:solidFill>
-                </a:ln>
-                <a:solidFill>
-                  <a:srgbClr val="272123"/>
-                </a:solidFill>
-                <a:latin typeface="HY견고딕" pitchFamily="18" charset="-127"/>
-                <a:ea typeface="HY견고딕" pitchFamily="18" charset="-127"/>
-              </a:rPr>
-              <a:t>";</a:t>
-            </a:r>
-          </a:p>
-          <a:p>
-            <a:pPr marL="285750" indent="-285750"/>
-            <a:r>
-              <a:rPr lang="en-US" altLang="ko-KR" sz="1400" dirty="0">
-                <a:ln>
-                  <a:solidFill>
-                    <a:schemeClr val="tx1">
-                      <a:alpha val="30000"/>
-                    </a:schemeClr>
-                  </a:solidFill>
-                </a:ln>
-                <a:solidFill>
-                  <a:srgbClr val="272123"/>
-                </a:solidFill>
-                <a:latin typeface="HY견고딕" pitchFamily="18" charset="-127"/>
-                <a:ea typeface="HY견고딕" pitchFamily="18" charset="-127"/>
-              </a:rPr>
-              <a:t>		</a:t>
-            </a:r>
-            <a:r>
-              <a:rPr lang="en-US" altLang="ko-KR" sz="1400" dirty="0" err="1">
-                <a:ln>
-                  <a:solidFill>
-                    <a:schemeClr val="tx1">
-                      <a:alpha val="30000"/>
-                    </a:schemeClr>
-                  </a:solidFill>
-                </a:ln>
-                <a:solidFill>
-                  <a:srgbClr val="272123"/>
-                </a:solidFill>
-                <a:latin typeface="HY견고딕" pitchFamily="18" charset="-127"/>
-                <a:ea typeface="HY견고딕" pitchFamily="18" charset="-127"/>
-              </a:rPr>
-              <a:t>cin</a:t>
-            </a:r>
-            <a:r>
-              <a:rPr lang="en-US" altLang="ko-KR" sz="1400" dirty="0">
-                <a:ln>
-                  <a:solidFill>
-                    <a:schemeClr val="tx1">
-                      <a:alpha val="30000"/>
-                    </a:schemeClr>
-                  </a:solidFill>
-                </a:ln>
-                <a:solidFill>
-                  <a:srgbClr val="272123"/>
-                </a:solidFill>
-                <a:latin typeface="HY견고딕" pitchFamily="18" charset="-127"/>
-                <a:ea typeface="HY견고딕" pitchFamily="18" charset="-127"/>
-              </a:rPr>
-              <a:t> &gt;&gt; student[</a:t>
-            </a:r>
-            <a:r>
-              <a:rPr lang="en-US" altLang="ko-KR" sz="1400" dirty="0" err="1">
-                <a:ln>
-                  <a:solidFill>
-                    <a:schemeClr val="tx1">
-                      <a:alpha val="30000"/>
-                    </a:schemeClr>
-                  </a:solidFill>
-                </a:ln>
-                <a:solidFill>
-                  <a:srgbClr val="272123"/>
-                </a:solidFill>
-                <a:latin typeface="HY견고딕" pitchFamily="18" charset="-127"/>
-                <a:ea typeface="HY견고딕" pitchFamily="18" charset="-127"/>
-              </a:rPr>
-              <a:t>i</a:t>
-            </a:r>
-            <a:r>
-              <a:rPr lang="en-US" altLang="ko-KR" sz="1400" dirty="0">
-                <a:ln>
-                  <a:solidFill>
-                    <a:schemeClr val="tx1">
-                      <a:alpha val="30000"/>
-                    </a:schemeClr>
-                  </a:solidFill>
-                </a:ln>
-                <a:solidFill>
-                  <a:srgbClr val="272123"/>
-                </a:solidFill>
-                <a:latin typeface="HY견고딕" pitchFamily="18" charset="-127"/>
-                <a:ea typeface="HY견고딕" pitchFamily="18" charset="-127"/>
-              </a:rPr>
-              <a:t>];</a:t>
-            </a:r>
-          </a:p>
-          <a:p>
-            <a:pPr marL="285750" indent="-285750"/>
-            <a:r>
-              <a:rPr lang="en-US" altLang="ko-KR" sz="1400" dirty="0">
-                <a:ln>
-                  <a:solidFill>
-                    <a:schemeClr val="tx1">
-                      <a:alpha val="30000"/>
-                    </a:schemeClr>
-                  </a:solidFill>
-                </a:ln>
-                <a:solidFill>
-                  <a:srgbClr val="272123"/>
-                </a:solidFill>
-                <a:latin typeface="HY견고딕" pitchFamily="18" charset="-127"/>
-                <a:ea typeface="HY견고딕" pitchFamily="18" charset="-127"/>
-              </a:rPr>
-              <a:t>	}</a:t>
-            </a:r>
-          </a:p>
-          <a:p>
-            <a:pPr marL="285750" indent="-285750"/>
-            <a:r>
-              <a:rPr lang="en-US" altLang="ko-KR" sz="1400" dirty="0">
-                <a:ln>
-                  <a:solidFill>
-                    <a:schemeClr val="tx1">
-                      <a:alpha val="30000"/>
-                    </a:schemeClr>
-                  </a:solidFill>
-                </a:ln>
-                <a:solidFill>
-                  <a:srgbClr val="272123"/>
-                </a:solidFill>
-                <a:latin typeface="HY견고딕" pitchFamily="18" charset="-127"/>
-                <a:ea typeface="HY견고딕" pitchFamily="18" charset="-127"/>
-              </a:rPr>
-              <a:t>	</a:t>
-            </a:r>
-            <a:r>
-              <a:rPr lang="en-US" altLang="ko-KR" sz="1400" dirty="0" err="1">
-                <a:ln>
-                  <a:solidFill>
-                    <a:schemeClr val="tx1">
-                      <a:alpha val="30000"/>
-                    </a:schemeClr>
-                  </a:solidFill>
-                </a:ln>
-                <a:solidFill>
-                  <a:srgbClr val="272123"/>
-                </a:solidFill>
-                <a:latin typeface="HY견고딕" pitchFamily="18" charset="-127"/>
-                <a:ea typeface="HY견고딕" pitchFamily="18" charset="-127"/>
-              </a:rPr>
-              <a:t>cout</a:t>
-            </a:r>
-            <a:r>
-              <a:rPr lang="en-US" altLang="ko-KR" sz="1400" dirty="0">
-                <a:ln>
-                  <a:solidFill>
-                    <a:schemeClr val="tx1">
-                      <a:alpha val="30000"/>
-                    </a:schemeClr>
-                  </a:solidFill>
-                </a:ln>
-                <a:solidFill>
-                  <a:srgbClr val="272123"/>
-                </a:solidFill>
-                <a:latin typeface="HY견고딕" pitchFamily="18" charset="-127"/>
-                <a:ea typeface="HY견고딕" pitchFamily="18" charset="-127"/>
-              </a:rPr>
-              <a:t> &lt;&lt; </a:t>
-            </a:r>
-            <a:r>
-              <a:rPr lang="en-US" altLang="ko-KR" sz="1400" dirty="0" err="1">
-                <a:ln>
-                  <a:solidFill>
-                    <a:schemeClr val="tx1">
-                      <a:alpha val="30000"/>
-                    </a:schemeClr>
-                  </a:solidFill>
-                </a:ln>
-                <a:solidFill>
-                  <a:srgbClr val="272123"/>
-                </a:solidFill>
-                <a:latin typeface="HY견고딕" pitchFamily="18" charset="-127"/>
-                <a:ea typeface="HY견고딕" pitchFamily="18" charset="-127"/>
-              </a:rPr>
-              <a:t>endl</a:t>
-            </a:r>
-            <a:r>
-              <a:rPr lang="en-US" altLang="ko-KR" sz="1400" dirty="0">
-                <a:ln>
-                  <a:solidFill>
-                    <a:schemeClr val="tx1">
-                      <a:alpha val="30000"/>
-                    </a:schemeClr>
-                  </a:solidFill>
-                </a:ln>
-                <a:solidFill>
-                  <a:srgbClr val="272123"/>
-                </a:solidFill>
-                <a:latin typeface="HY견고딕" pitchFamily="18" charset="-127"/>
-                <a:ea typeface="HY견고딕" pitchFamily="18" charset="-127"/>
-              </a:rPr>
-              <a:t> &lt;&lt; </a:t>
-            </a:r>
-            <a:r>
-              <a:rPr lang="en-US" altLang="ko-KR" sz="1400" dirty="0" err="1">
-                <a:ln>
-                  <a:solidFill>
-                    <a:schemeClr val="tx1">
-                      <a:alpha val="30000"/>
-                    </a:schemeClr>
-                  </a:solidFill>
-                </a:ln>
-                <a:solidFill>
-                  <a:srgbClr val="272123"/>
-                </a:solidFill>
-                <a:latin typeface="HY견고딕" pitchFamily="18" charset="-127"/>
-                <a:ea typeface="HY견고딕" pitchFamily="18" charset="-127"/>
-              </a:rPr>
-              <a:t>endl</a:t>
-            </a:r>
-            <a:r>
-              <a:rPr lang="en-US" altLang="ko-KR" sz="1400" dirty="0">
-                <a:ln>
-                  <a:solidFill>
-                    <a:schemeClr val="tx1">
-                      <a:alpha val="30000"/>
-                    </a:schemeClr>
-                  </a:solidFill>
-                </a:ln>
-                <a:solidFill>
-                  <a:srgbClr val="272123"/>
-                </a:solidFill>
-                <a:latin typeface="HY견고딕" pitchFamily="18" charset="-127"/>
-                <a:ea typeface="HY견고딕" pitchFamily="18" charset="-127"/>
-              </a:rPr>
-              <a:t> &lt;&lt; </a:t>
-            </a:r>
-            <a:r>
-              <a:rPr lang="en-US" altLang="ko-KR" sz="1400" dirty="0" err="1">
-                <a:ln>
-                  <a:solidFill>
-                    <a:schemeClr val="tx1">
-                      <a:alpha val="30000"/>
-                    </a:schemeClr>
-                  </a:solidFill>
-                </a:ln>
-                <a:solidFill>
-                  <a:srgbClr val="272123"/>
-                </a:solidFill>
-                <a:latin typeface="HY견고딕" pitchFamily="18" charset="-127"/>
-                <a:ea typeface="HY견고딕" pitchFamily="18" charset="-127"/>
-              </a:rPr>
-              <a:t>endl</a:t>
-            </a:r>
-            <a:r>
-              <a:rPr lang="en-US" altLang="ko-KR" sz="1400" dirty="0">
-                <a:ln>
-                  <a:solidFill>
-                    <a:schemeClr val="tx1">
-                      <a:alpha val="30000"/>
-                    </a:schemeClr>
-                  </a:solidFill>
-                </a:ln>
-                <a:solidFill>
-                  <a:srgbClr val="272123"/>
-                </a:solidFill>
-                <a:latin typeface="HY견고딕" pitchFamily="18" charset="-127"/>
-                <a:ea typeface="HY견고딕" pitchFamily="18" charset="-127"/>
-              </a:rPr>
-              <a:t>; </a:t>
-            </a:r>
-          </a:p>
-          <a:p>
-            <a:pPr marL="285750" indent="-285750"/>
-            <a:r>
-              <a:rPr lang="en-US" altLang="ko-KR" sz="1400" dirty="0">
-                <a:ln>
-                  <a:solidFill>
-                    <a:schemeClr val="tx1">
-                      <a:alpha val="30000"/>
-                    </a:schemeClr>
-                  </a:solidFill>
-                </a:ln>
-                <a:solidFill>
-                  <a:srgbClr val="272123"/>
-                </a:solidFill>
-                <a:latin typeface="HY견고딕" pitchFamily="18" charset="-127"/>
-                <a:ea typeface="HY견고딕" pitchFamily="18" charset="-127"/>
-              </a:rPr>
-              <a:t>	for(</a:t>
-            </a:r>
-            <a:r>
-              <a:rPr lang="en-US" altLang="ko-KR" sz="1400" dirty="0" err="1">
-                <a:ln>
-                  <a:solidFill>
-                    <a:schemeClr val="tx1">
-                      <a:alpha val="30000"/>
-                    </a:schemeClr>
-                  </a:solidFill>
-                </a:ln>
-                <a:solidFill>
-                  <a:srgbClr val="272123"/>
-                </a:solidFill>
-                <a:latin typeface="HY견고딕" pitchFamily="18" charset="-127"/>
-                <a:ea typeface="HY견고딕" pitchFamily="18" charset="-127"/>
-              </a:rPr>
-              <a:t>int</a:t>
-            </a:r>
-            <a:r>
-              <a:rPr lang="en-US" altLang="ko-KR" sz="1400" dirty="0">
-                <a:ln>
-                  <a:solidFill>
-                    <a:schemeClr val="tx1">
-                      <a:alpha val="30000"/>
-                    </a:schemeClr>
-                  </a:solidFill>
-                </a:ln>
-                <a:solidFill>
-                  <a:srgbClr val="272123"/>
-                </a:solidFill>
-                <a:latin typeface="HY견고딕" pitchFamily="18" charset="-127"/>
-                <a:ea typeface="HY견고딕" pitchFamily="18" charset="-127"/>
-              </a:rPr>
-              <a:t> </a:t>
-            </a:r>
-            <a:r>
-              <a:rPr lang="en-US" altLang="ko-KR" sz="1400" dirty="0" err="1">
-                <a:ln>
-                  <a:solidFill>
-                    <a:schemeClr val="tx1">
-                      <a:alpha val="30000"/>
-                    </a:schemeClr>
-                  </a:solidFill>
-                </a:ln>
-                <a:solidFill>
-                  <a:srgbClr val="272123"/>
-                </a:solidFill>
-                <a:latin typeface="HY견고딕" pitchFamily="18" charset="-127"/>
-                <a:ea typeface="HY견고딕" pitchFamily="18" charset="-127"/>
-              </a:rPr>
-              <a:t>i</a:t>
-            </a:r>
-            <a:r>
-              <a:rPr lang="en-US" altLang="ko-KR" sz="1400" dirty="0">
-                <a:ln>
-                  <a:solidFill>
-                    <a:schemeClr val="tx1">
-                      <a:alpha val="30000"/>
-                    </a:schemeClr>
-                  </a:solidFill>
-                </a:ln>
-                <a:solidFill>
-                  <a:srgbClr val="272123"/>
-                </a:solidFill>
-                <a:latin typeface="HY견고딕" pitchFamily="18" charset="-127"/>
-                <a:ea typeface="HY견고딕" pitchFamily="18" charset="-127"/>
-              </a:rPr>
-              <a:t> = 0 ; </a:t>
-            </a:r>
-            <a:r>
-              <a:rPr lang="en-US" altLang="ko-KR" sz="1400" dirty="0" err="1">
-                <a:ln>
-                  <a:solidFill>
-                    <a:schemeClr val="tx1">
-                      <a:alpha val="30000"/>
-                    </a:schemeClr>
-                  </a:solidFill>
-                </a:ln>
-                <a:solidFill>
-                  <a:srgbClr val="272123"/>
-                </a:solidFill>
-                <a:latin typeface="HY견고딕" pitchFamily="18" charset="-127"/>
-                <a:ea typeface="HY견고딕" pitchFamily="18" charset="-127"/>
-              </a:rPr>
-              <a:t>i</a:t>
-            </a:r>
-            <a:r>
-              <a:rPr lang="en-US" altLang="ko-KR" sz="1400" dirty="0">
-                <a:ln>
-                  <a:solidFill>
-                    <a:schemeClr val="tx1">
-                      <a:alpha val="30000"/>
-                    </a:schemeClr>
-                  </a:solidFill>
-                </a:ln>
-                <a:solidFill>
-                  <a:srgbClr val="272123"/>
-                </a:solidFill>
-                <a:latin typeface="HY견고딕" pitchFamily="18" charset="-127"/>
-                <a:ea typeface="HY견고딕" pitchFamily="18" charset="-127"/>
-              </a:rPr>
-              <a:t> &lt; size ; </a:t>
-            </a:r>
-            <a:r>
-              <a:rPr lang="en-US" altLang="ko-KR" sz="1400" dirty="0" err="1">
-                <a:ln>
-                  <a:solidFill>
-                    <a:schemeClr val="tx1">
-                      <a:alpha val="30000"/>
-                    </a:schemeClr>
-                  </a:solidFill>
-                </a:ln>
-                <a:solidFill>
-                  <a:srgbClr val="272123"/>
-                </a:solidFill>
-                <a:latin typeface="HY견고딕" pitchFamily="18" charset="-127"/>
-                <a:ea typeface="HY견고딕" pitchFamily="18" charset="-127"/>
-              </a:rPr>
-              <a:t>i</a:t>
-            </a:r>
-            <a:r>
-              <a:rPr lang="en-US" altLang="ko-KR" sz="1400" dirty="0">
-                <a:ln>
-                  <a:solidFill>
-                    <a:schemeClr val="tx1">
-                      <a:alpha val="30000"/>
-                    </a:schemeClr>
-                  </a:solidFill>
-                </a:ln>
-                <a:solidFill>
-                  <a:srgbClr val="272123"/>
-                </a:solidFill>
-                <a:latin typeface="HY견고딕" pitchFamily="18" charset="-127"/>
-                <a:ea typeface="HY견고딕" pitchFamily="18" charset="-127"/>
-              </a:rPr>
-              <a:t>++)</a:t>
-            </a:r>
-          </a:p>
-          <a:p>
-            <a:pPr marL="285750" indent="-285750"/>
-            <a:r>
-              <a:rPr lang="en-US" altLang="ko-KR" sz="1400" dirty="0">
-                <a:ln>
-                  <a:solidFill>
-                    <a:schemeClr val="tx1">
-                      <a:alpha val="30000"/>
-                    </a:schemeClr>
-                  </a:solidFill>
-                </a:ln>
-                <a:solidFill>
-                  <a:srgbClr val="272123"/>
-                </a:solidFill>
-                <a:latin typeface="HY견고딕" pitchFamily="18" charset="-127"/>
-                <a:ea typeface="HY견고딕" pitchFamily="18" charset="-127"/>
-              </a:rPr>
-              <a:t>	{</a:t>
-            </a:r>
-          </a:p>
-          <a:p>
-            <a:pPr marL="285750" indent="-285750"/>
-            <a:r>
-              <a:rPr lang="en-US" altLang="ko-KR" sz="1400" dirty="0">
-                <a:ln>
-                  <a:solidFill>
-                    <a:schemeClr val="tx1">
-                      <a:alpha val="30000"/>
-                    </a:schemeClr>
-                  </a:solidFill>
-                </a:ln>
-                <a:solidFill>
-                  <a:srgbClr val="272123"/>
-                </a:solidFill>
-                <a:latin typeface="HY견고딕" pitchFamily="18" charset="-127"/>
-                <a:ea typeface="HY견고딕" pitchFamily="18" charset="-127"/>
-              </a:rPr>
-              <a:t>		</a:t>
-            </a:r>
-            <a:r>
-              <a:rPr lang="en-US" altLang="ko-KR" sz="1400" dirty="0" err="1">
-                <a:ln>
-                  <a:solidFill>
-                    <a:schemeClr val="tx1">
-                      <a:alpha val="30000"/>
-                    </a:schemeClr>
-                  </a:solidFill>
-                </a:ln>
-                <a:solidFill>
-                  <a:srgbClr val="272123"/>
-                </a:solidFill>
-                <a:latin typeface="HY견고딕" pitchFamily="18" charset="-127"/>
-                <a:ea typeface="HY견고딕" pitchFamily="18" charset="-127"/>
-              </a:rPr>
-              <a:t>cout</a:t>
-            </a:r>
-            <a:r>
-              <a:rPr lang="en-US" altLang="ko-KR" sz="1400" dirty="0">
-                <a:ln>
-                  <a:solidFill>
-                    <a:schemeClr val="tx1">
-                      <a:alpha val="30000"/>
-                    </a:schemeClr>
-                  </a:solidFill>
-                </a:ln>
-                <a:solidFill>
-                  <a:srgbClr val="272123"/>
-                </a:solidFill>
-                <a:latin typeface="HY견고딕" pitchFamily="18" charset="-127"/>
-                <a:ea typeface="HY견고딕" pitchFamily="18" charset="-127"/>
-              </a:rPr>
-              <a:t> &lt;&lt; i+1 &lt;&lt; "</a:t>
-            </a:r>
-            <a:r>
-              <a:rPr lang="ko-KR" altLang="en-US" sz="1400" dirty="0" err="1">
-                <a:ln>
-                  <a:solidFill>
-                    <a:schemeClr val="tx1">
-                      <a:alpha val="30000"/>
-                    </a:schemeClr>
-                  </a:solidFill>
-                </a:ln>
-                <a:solidFill>
-                  <a:srgbClr val="272123"/>
-                </a:solidFill>
-                <a:latin typeface="HY견고딕" pitchFamily="18" charset="-127"/>
-                <a:ea typeface="HY견고딕" pitchFamily="18" charset="-127"/>
-              </a:rPr>
-              <a:t>번학생</a:t>
-            </a:r>
-            <a:r>
-              <a:rPr lang="ko-KR" altLang="en-US" sz="1400" dirty="0">
-                <a:ln>
-                  <a:solidFill>
-                    <a:schemeClr val="tx1">
-                      <a:alpha val="30000"/>
-                    </a:schemeClr>
-                  </a:solidFill>
-                </a:ln>
-                <a:solidFill>
-                  <a:srgbClr val="272123"/>
-                </a:solidFill>
-                <a:latin typeface="HY견고딕" pitchFamily="18" charset="-127"/>
-                <a:ea typeface="HY견고딕" pitchFamily="18" charset="-127"/>
-              </a:rPr>
-              <a:t> </a:t>
-            </a:r>
-            <a:r>
-              <a:rPr lang="en-US" altLang="ko-KR" sz="1400" dirty="0">
-                <a:ln>
-                  <a:solidFill>
-                    <a:schemeClr val="tx1">
-                      <a:alpha val="30000"/>
-                    </a:schemeClr>
-                  </a:solidFill>
-                </a:ln>
-                <a:solidFill>
-                  <a:srgbClr val="272123"/>
-                </a:solidFill>
-                <a:latin typeface="HY견고딕" pitchFamily="18" charset="-127"/>
-                <a:ea typeface="HY견고딕" pitchFamily="18" charset="-127"/>
-              </a:rPr>
-              <a:t>:";</a:t>
-            </a:r>
-          </a:p>
-          <a:p>
-            <a:pPr marL="285750" indent="-285750"/>
-            <a:r>
-              <a:rPr lang="en-US" altLang="ko-KR" sz="1400" dirty="0">
-                <a:ln>
-                  <a:solidFill>
-                    <a:schemeClr val="tx1">
-                      <a:alpha val="30000"/>
-                    </a:schemeClr>
-                  </a:solidFill>
-                </a:ln>
-                <a:solidFill>
-                  <a:srgbClr val="272123"/>
-                </a:solidFill>
-                <a:latin typeface="HY견고딕" pitchFamily="18" charset="-127"/>
-                <a:ea typeface="HY견고딕" pitchFamily="18" charset="-127"/>
-              </a:rPr>
-              <a:t>		</a:t>
-            </a:r>
-            <a:r>
-              <a:rPr lang="en-US" altLang="ko-KR" sz="1400" dirty="0" err="1">
-                <a:ln>
-                  <a:solidFill>
-                    <a:schemeClr val="tx1">
-                      <a:alpha val="30000"/>
-                    </a:schemeClr>
-                  </a:solidFill>
-                </a:ln>
-                <a:solidFill>
-                  <a:srgbClr val="272123"/>
-                </a:solidFill>
-                <a:latin typeface="HY견고딕" pitchFamily="18" charset="-127"/>
-                <a:ea typeface="HY견고딕" pitchFamily="18" charset="-127"/>
-              </a:rPr>
-              <a:t>cout</a:t>
-            </a:r>
-            <a:r>
-              <a:rPr lang="en-US" altLang="ko-KR" sz="1400" dirty="0">
-                <a:ln>
-                  <a:solidFill>
-                    <a:schemeClr val="tx1">
-                      <a:alpha val="30000"/>
-                    </a:schemeClr>
-                  </a:solidFill>
-                </a:ln>
-                <a:solidFill>
-                  <a:srgbClr val="272123"/>
-                </a:solidFill>
-                <a:latin typeface="HY견고딕" pitchFamily="18" charset="-127"/>
-                <a:ea typeface="HY견고딕" pitchFamily="18" charset="-127"/>
-              </a:rPr>
-              <a:t> &lt;&lt; student[</a:t>
-            </a:r>
-            <a:r>
-              <a:rPr lang="en-US" altLang="ko-KR" sz="1400" dirty="0" err="1">
-                <a:ln>
-                  <a:solidFill>
-                    <a:schemeClr val="tx1">
-                      <a:alpha val="30000"/>
-                    </a:schemeClr>
-                  </a:solidFill>
-                </a:ln>
-                <a:solidFill>
-                  <a:srgbClr val="272123"/>
-                </a:solidFill>
-                <a:latin typeface="HY견고딕" pitchFamily="18" charset="-127"/>
-                <a:ea typeface="HY견고딕" pitchFamily="18" charset="-127"/>
-              </a:rPr>
-              <a:t>i</a:t>
-            </a:r>
-            <a:r>
-              <a:rPr lang="en-US" altLang="ko-KR" sz="1400" dirty="0">
-                <a:ln>
-                  <a:solidFill>
-                    <a:schemeClr val="tx1">
-                      <a:alpha val="30000"/>
-                    </a:schemeClr>
-                  </a:solidFill>
-                </a:ln>
-                <a:solidFill>
-                  <a:srgbClr val="272123"/>
-                </a:solidFill>
-                <a:latin typeface="HY견고딕" pitchFamily="18" charset="-127"/>
-                <a:ea typeface="HY견고딕" pitchFamily="18" charset="-127"/>
-              </a:rPr>
-              <a:t>] &lt;&lt; </a:t>
-            </a:r>
-            <a:r>
-              <a:rPr lang="en-US" altLang="ko-KR" sz="1400" dirty="0" err="1">
-                <a:ln>
-                  <a:solidFill>
-                    <a:schemeClr val="tx1">
-                      <a:alpha val="30000"/>
-                    </a:schemeClr>
-                  </a:solidFill>
-                </a:ln>
-                <a:solidFill>
-                  <a:srgbClr val="272123"/>
-                </a:solidFill>
-                <a:latin typeface="HY견고딕" pitchFamily="18" charset="-127"/>
-                <a:ea typeface="HY견고딕" pitchFamily="18" charset="-127"/>
-              </a:rPr>
-              <a:t>endl</a:t>
-            </a:r>
-            <a:r>
-              <a:rPr lang="en-US" altLang="ko-KR" sz="1400" dirty="0">
-                <a:ln>
-                  <a:solidFill>
-                    <a:schemeClr val="tx1">
-                      <a:alpha val="30000"/>
-                    </a:schemeClr>
-                  </a:solidFill>
-                </a:ln>
-                <a:solidFill>
-                  <a:srgbClr val="272123"/>
-                </a:solidFill>
-                <a:latin typeface="HY견고딕" pitchFamily="18" charset="-127"/>
-                <a:ea typeface="HY견고딕" pitchFamily="18" charset="-127"/>
-              </a:rPr>
-              <a:t>;</a:t>
-            </a:r>
-          </a:p>
-          <a:p>
-            <a:pPr marL="285750" indent="-285750"/>
-            <a:r>
-              <a:rPr lang="en-US" altLang="ko-KR" sz="1400" dirty="0">
-                <a:ln>
-                  <a:solidFill>
-                    <a:schemeClr val="tx1">
-                      <a:alpha val="30000"/>
-                    </a:schemeClr>
-                  </a:solidFill>
-                </a:ln>
-                <a:solidFill>
-                  <a:srgbClr val="272123"/>
-                </a:solidFill>
-                <a:latin typeface="HY견고딕" pitchFamily="18" charset="-127"/>
-                <a:ea typeface="HY견고딕" pitchFamily="18" charset="-127"/>
-              </a:rPr>
-              <a:t>	}</a:t>
-            </a:r>
-          </a:p>
-          <a:p>
-            <a:pPr marL="285750" indent="-285750"/>
-            <a:r>
-              <a:rPr lang="en-US" altLang="ko-KR" sz="1400" dirty="0">
-                <a:ln>
-                  <a:solidFill>
-                    <a:schemeClr val="tx1">
-                      <a:alpha val="30000"/>
-                    </a:schemeClr>
-                  </a:solidFill>
-                </a:ln>
-                <a:solidFill>
-                  <a:srgbClr val="272123"/>
-                </a:solidFill>
-                <a:latin typeface="HY견고딕" pitchFamily="18" charset="-127"/>
-                <a:ea typeface="HY견고딕" pitchFamily="18" charset="-127"/>
-              </a:rPr>
-              <a:t>	delete[] student;</a:t>
-            </a:r>
-          </a:p>
-          <a:p>
-            <a:pPr marL="285750" indent="-285750"/>
-            <a:r>
-              <a:rPr lang="en-US" altLang="ko-KR" sz="1400" dirty="0">
-                <a:ln>
-                  <a:solidFill>
-                    <a:schemeClr val="tx1">
-                      <a:alpha val="30000"/>
-                    </a:schemeClr>
-                  </a:solidFill>
-                </a:ln>
-                <a:solidFill>
-                  <a:srgbClr val="272123"/>
-                </a:solidFill>
-                <a:latin typeface="HY견고딕" pitchFamily="18" charset="-127"/>
-                <a:ea typeface="HY견고딕" pitchFamily="18" charset="-127"/>
-              </a:rPr>
-              <a:t>}</a:t>
-            </a:r>
-          </a:p>
-          <a:p>
-            <a:pPr marL="285750" indent="-285750"/>
-            <a:endParaRPr lang="en-US" altLang="ko-KR" sz="1400" dirty="0">
-              <a:ln>
+                <a:latin typeface="HY견고딕" charset="0"/>
+                <a:ea typeface="HY견고딕" charset="0"/>
+              </a:rPr>
+              <a:t> #include &lt;iostream&gt;</a:t>
+            </a:r>
+            <a:endParaRPr lang="ko-KR" altLang="en-US" sz="1400">
+              <a:ln w="9525" cap="flat" cmpd="sng">
                 <a:solidFill>
                   <a:schemeClr val="tx1">
-                    <a:alpha val="30000"/>
+                    <a:alpha val="29803"/>
                   </a:schemeClr>
                 </a:solidFill>
+                <a:prstDash val="solid"/>
               </a:ln>
               <a:solidFill>
                 <a:srgbClr val="272123"/>
               </a:solidFill>
-              <a:latin typeface="HY견고딕" pitchFamily="18" charset="-127"/>
-              <a:ea typeface="HY견고딕" pitchFamily="18" charset="-127"/>
+              <a:latin typeface="HY견고딕" charset="0"/>
+              <a:ea typeface="HY견고딕" charset="0"/>
             </a:endParaRPr>
           </a:p>
           <a:p>
-            <a:pPr marL="285750" indent="-285750"/>
-            <a:endParaRPr lang="en-US" altLang="ko-KR" sz="1400" dirty="0">
-              <a:ln>
+            <a:pPr marL="285750" indent="-285750" latinLnBrk="0">
+              <a:buFontTx/>
+              <a:buNone/>
+            </a:pPr>
+            <a:r>
+              <a:rPr lang="en-US" altLang="ko-KR" sz="1400">
+                <a:ln w="9525" cap="flat" cmpd="sng">
+                  <a:solidFill>
+                    <a:schemeClr val="tx1">
+                      <a:alpha val="29803"/>
+                    </a:schemeClr>
+                  </a:solidFill>
+                  <a:prstDash val="solid"/>
+                </a:ln>
+                <a:solidFill>
+                  <a:srgbClr val="272123"/>
+                </a:solidFill>
+                <a:latin typeface="HY견고딕" charset="0"/>
+                <a:ea typeface="HY견고딕" charset="0"/>
+              </a:rPr>
+              <a:t> #include &lt;string&gt;</a:t>
+            </a:r>
+            <a:endParaRPr lang="ko-KR" altLang="en-US" sz="1400">
+              <a:ln w="9525" cap="flat" cmpd="sng">
                 <a:solidFill>
                   <a:schemeClr val="tx1">
-                    <a:alpha val="30000"/>
+                    <a:alpha val="29803"/>
                   </a:schemeClr>
                 </a:solidFill>
+                <a:prstDash val="solid"/>
               </a:ln>
               <a:solidFill>
                 <a:srgbClr val="272123"/>
               </a:solidFill>
-              <a:latin typeface="HY견고딕" pitchFamily="18" charset="-127"/>
-              <a:ea typeface="HY견고딕" pitchFamily="18" charset="-127"/>
+              <a:latin typeface="HY견고딕" charset="0"/>
+              <a:ea typeface="HY견고딕" charset="0"/>
+            </a:endParaRPr>
+          </a:p>
+          <a:p>
+            <a:pPr marL="285750" indent="-285750" latinLnBrk="0">
+              <a:buFontTx/>
+              <a:buNone/>
+            </a:pPr>
+            <a:r>
+              <a:rPr lang="en-US" altLang="ko-KR" sz="1400">
+                <a:ln w="9525" cap="flat" cmpd="sng">
+                  <a:solidFill>
+                    <a:schemeClr val="tx1">
+                      <a:alpha val="29803"/>
+                    </a:schemeClr>
+                  </a:solidFill>
+                  <a:prstDash val="solid"/>
+                </a:ln>
+                <a:solidFill>
+                  <a:srgbClr val="272123"/>
+                </a:solidFill>
+                <a:latin typeface="HY견고딕" charset="0"/>
+                <a:ea typeface="HY견고딕" charset="0"/>
+              </a:rPr>
+              <a:t> using namespace std;</a:t>
+            </a:r>
+            <a:endParaRPr lang="ko-KR" altLang="en-US" sz="1400">
+              <a:ln w="9525" cap="flat" cmpd="sng">
+                <a:solidFill>
+                  <a:schemeClr val="tx1">
+                    <a:alpha val="29803"/>
+                  </a:schemeClr>
+                </a:solidFill>
+                <a:prstDash val="solid"/>
+              </a:ln>
+              <a:solidFill>
+                <a:srgbClr val="272123"/>
+              </a:solidFill>
+              <a:latin typeface="HY견고딕" charset="0"/>
+              <a:ea typeface="HY견고딕" charset="0"/>
+            </a:endParaRPr>
+          </a:p>
+          <a:p>
+            <a:pPr marL="285750" indent="-285750" latinLnBrk="0">
+              <a:buFontTx/>
+              <a:buNone/>
+            </a:pPr>
+            <a:endParaRPr lang="ko-KR" altLang="en-US" sz="1400">
+              <a:ln w="9525" cap="flat" cmpd="sng">
+                <a:solidFill>
+                  <a:schemeClr val="tx1">
+                    <a:alpha val="29803"/>
+                  </a:schemeClr>
+                </a:solidFill>
+                <a:prstDash val="solid"/>
+              </a:ln>
+              <a:solidFill>
+                <a:srgbClr val="272123"/>
+              </a:solidFill>
+              <a:latin typeface="HY견고딕" charset="0"/>
+              <a:ea typeface="HY견고딕" charset="0"/>
+            </a:endParaRPr>
+          </a:p>
+          <a:p>
+            <a:pPr marL="285750" indent="-285750" latinLnBrk="0">
+              <a:buFontTx/>
+              <a:buNone/>
+            </a:pPr>
+            <a:r>
+              <a:rPr lang="en-US" altLang="ko-KR" sz="1400">
+                <a:ln w="9525" cap="flat" cmpd="sng">
+                  <a:solidFill>
+                    <a:schemeClr val="tx1">
+                      <a:alpha val="29803"/>
+                    </a:schemeClr>
+                  </a:solidFill>
+                  <a:prstDash val="solid"/>
+                </a:ln>
+                <a:solidFill>
+                  <a:srgbClr val="272123"/>
+                </a:solidFill>
+                <a:latin typeface="HY견고딕" charset="0"/>
+                <a:ea typeface="HY견고딕" charset="0"/>
+              </a:rPr>
+              <a:t> void main()</a:t>
+            </a:r>
+            <a:endParaRPr lang="ko-KR" altLang="en-US" sz="1400">
+              <a:ln w="9525" cap="flat" cmpd="sng">
+                <a:solidFill>
+                  <a:schemeClr val="tx1">
+                    <a:alpha val="29803"/>
+                  </a:schemeClr>
+                </a:solidFill>
+                <a:prstDash val="solid"/>
+              </a:ln>
+              <a:solidFill>
+                <a:srgbClr val="272123"/>
+              </a:solidFill>
+              <a:latin typeface="HY견고딕" charset="0"/>
+              <a:ea typeface="HY견고딕" charset="0"/>
+            </a:endParaRPr>
+          </a:p>
+          <a:p>
+            <a:pPr marL="285750" indent="-285750" latinLnBrk="0">
+              <a:buFontTx/>
+              <a:buNone/>
+            </a:pPr>
+            <a:r>
+              <a:rPr lang="en-US" altLang="ko-KR" sz="1400">
+                <a:ln w="9525" cap="flat" cmpd="sng">
+                  <a:solidFill>
+                    <a:schemeClr val="tx1">
+                      <a:alpha val="29803"/>
+                    </a:schemeClr>
+                  </a:solidFill>
+                  <a:prstDash val="solid"/>
+                </a:ln>
+                <a:solidFill>
+                  <a:srgbClr val="272123"/>
+                </a:solidFill>
+                <a:latin typeface="HY견고딕" charset="0"/>
+                <a:ea typeface="HY견고딕" charset="0"/>
+              </a:rPr>
+              <a:t>{</a:t>
+            </a:r>
+            <a:endParaRPr lang="ko-KR" altLang="en-US" sz="1400">
+              <a:ln w="9525" cap="flat" cmpd="sng">
+                <a:solidFill>
+                  <a:schemeClr val="tx1">
+                    <a:alpha val="29803"/>
+                  </a:schemeClr>
+                </a:solidFill>
+                <a:prstDash val="solid"/>
+              </a:ln>
+              <a:solidFill>
+                <a:srgbClr val="272123"/>
+              </a:solidFill>
+              <a:latin typeface="HY견고딕" charset="0"/>
+              <a:ea typeface="HY견고딕" charset="0"/>
+            </a:endParaRPr>
+          </a:p>
+          <a:p>
+            <a:pPr marL="285750" indent="-285750" latinLnBrk="0">
+              <a:buFontTx/>
+              <a:buNone/>
+            </a:pPr>
+            <a:r>
+              <a:rPr lang="en-US" altLang="ko-KR" sz="1400">
+                <a:ln w="9525" cap="flat" cmpd="sng">
+                  <a:solidFill>
+                    <a:schemeClr val="tx1">
+                      <a:alpha val="29803"/>
+                    </a:schemeClr>
+                  </a:solidFill>
+                  <a:prstDash val="solid"/>
+                </a:ln>
+                <a:solidFill>
+                  <a:srgbClr val="272123"/>
+                </a:solidFill>
+                <a:latin typeface="HY견고딕" charset="0"/>
+                <a:ea typeface="HY견고딕" charset="0"/>
+              </a:rPr>
+              <a:t>	int size;</a:t>
+            </a:r>
+            <a:endParaRPr lang="ko-KR" altLang="en-US" sz="1400">
+              <a:ln w="9525" cap="flat" cmpd="sng">
+                <a:solidFill>
+                  <a:schemeClr val="tx1">
+                    <a:alpha val="29803"/>
+                  </a:schemeClr>
+                </a:solidFill>
+                <a:prstDash val="solid"/>
+              </a:ln>
+              <a:solidFill>
+                <a:srgbClr val="272123"/>
+              </a:solidFill>
+              <a:latin typeface="HY견고딕" charset="0"/>
+              <a:ea typeface="HY견고딕" charset="0"/>
+            </a:endParaRPr>
+          </a:p>
+          <a:p>
+            <a:pPr marL="285750" indent="-285750" latinLnBrk="0">
+              <a:buFontTx/>
+              <a:buNone/>
+            </a:pPr>
+            <a:r>
+              <a:rPr lang="en-US" altLang="ko-KR" sz="1400">
+                <a:ln w="9525" cap="flat" cmpd="sng">
+                  <a:solidFill>
+                    <a:schemeClr val="tx1">
+                      <a:alpha val="29803"/>
+                    </a:schemeClr>
+                  </a:solidFill>
+                  <a:prstDash val="solid"/>
+                </a:ln>
+                <a:solidFill>
+                  <a:srgbClr val="272123"/>
+                </a:solidFill>
+                <a:latin typeface="HY견고딕" charset="0"/>
+                <a:ea typeface="HY견고딕" charset="0"/>
+              </a:rPr>
+              <a:t>	string* student;</a:t>
+            </a:r>
+            <a:endParaRPr lang="ko-KR" altLang="en-US" sz="1400">
+              <a:ln w="9525" cap="flat" cmpd="sng">
+                <a:solidFill>
+                  <a:schemeClr val="tx1">
+                    <a:alpha val="29803"/>
+                  </a:schemeClr>
+                </a:solidFill>
+                <a:prstDash val="solid"/>
+              </a:ln>
+              <a:solidFill>
+                <a:srgbClr val="272123"/>
+              </a:solidFill>
+              <a:latin typeface="HY견고딕" charset="0"/>
+              <a:ea typeface="HY견고딕" charset="0"/>
+            </a:endParaRPr>
+          </a:p>
+          <a:p>
+            <a:pPr marL="285750" indent="-285750" latinLnBrk="0">
+              <a:buFontTx/>
+              <a:buNone/>
+            </a:pPr>
+            <a:r>
+              <a:rPr lang="en-US" altLang="ko-KR" sz="1400">
+                <a:ln w="9525" cap="flat" cmpd="sng">
+                  <a:solidFill>
+                    <a:schemeClr val="tx1">
+                      <a:alpha val="29803"/>
+                    </a:schemeClr>
+                  </a:solidFill>
+                  <a:prstDash val="solid"/>
+                </a:ln>
+                <a:solidFill>
+                  <a:srgbClr val="272123"/>
+                </a:solidFill>
+                <a:latin typeface="HY견고딕" charset="0"/>
+                <a:ea typeface="HY견고딕" charset="0"/>
+              </a:rPr>
+              <a:t>	cout &lt;&lt; "</a:t>
+            </a:r>
+            <a:r>
+              <a:rPr lang="ko-KR" altLang="en-US" sz="1400">
+                <a:ln w="9525" cap="flat" cmpd="sng">
+                  <a:solidFill>
+                    <a:schemeClr val="tx1">
+                      <a:alpha val="29803"/>
+                    </a:schemeClr>
+                  </a:solidFill>
+                  <a:prstDash val="solid"/>
+                </a:ln>
+                <a:solidFill>
+                  <a:srgbClr val="272123"/>
+                </a:solidFill>
+                <a:latin typeface="HY견고딕" charset="0"/>
+                <a:ea typeface="HY견고딕" charset="0"/>
+              </a:rPr>
+              <a:t>등록할 학생수를 입력하시오</a:t>
+            </a:r>
+            <a:r>
+              <a:rPr lang="en-US" altLang="ko-KR" sz="1400">
+                <a:ln w="9525" cap="flat" cmpd="sng">
+                  <a:solidFill>
+                    <a:schemeClr val="tx1">
+                      <a:alpha val="29803"/>
+                    </a:schemeClr>
+                  </a:solidFill>
+                  <a:prstDash val="solid"/>
+                </a:ln>
+                <a:solidFill>
+                  <a:srgbClr val="272123"/>
+                </a:solidFill>
+                <a:latin typeface="HY견고딕" charset="0"/>
+                <a:ea typeface="HY견고딕" charset="0"/>
+              </a:rPr>
+              <a:t>\n";</a:t>
+            </a:r>
+            <a:endParaRPr lang="ko-KR" altLang="en-US" sz="1400">
+              <a:ln w="9525" cap="flat" cmpd="sng">
+                <a:solidFill>
+                  <a:schemeClr val="tx1">
+                    <a:alpha val="29803"/>
+                  </a:schemeClr>
+                </a:solidFill>
+                <a:prstDash val="solid"/>
+              </a:ln>
+              <a:solidFill>
+                <a:srgbClr val="272123"/>
+              </a:solidFill>
+              <a:latin typeface="HY견고딕" charset="0"/>
+              <a:ea typeface="HY견고딕" charset="0"/>
+            </a:endParaRPr>
+          </a:p>
+          <a:p>
+            <a:pPr marL="285750" indent="-285750" latinLnBrk="0">
+              <a:buFontTx/>
+              <a:buNone/>
+            </a:pPr>
+            <a:r>
+              <a:rPr lang="en-US" altLang="ko-KR" sz="1400">
+                <a:ln w="9525" cap="flat" cmpd="sng">
+                  <a:solidFill>
+                    <a:schemeClr val="tx1">
+                      <a:alpha val="29803"/>
+                    </a:schemeClr>
+                  </a:solidFill>
+                  <a:prstDash val="solid"/>
+                </a:ln>
+                <a:solidFill>
+                  <a:srgbClr val="272123"/>
+                </a:solidFill>
+                <a:latin typeface="HY견고딕" charset="0"/>
+                <a:ea typeface="HY견고딕" charset="0"/>
+              </a:rPr>
+              <a:t>	cin &gt;&gt; size;</a:t>
+            </a:r>
+            <a:endParaRPr lang="ko-KR" altLang="en-US" sz="1400">
+              <a:ln w="9525" cap="flat" cmpd="sng">
+                <a:solidFill>
+                  <a:schemeClr val="tx1">
+                    <a:alpha val="29803"/>
+                  </a:schemeClr>
+                </a:solidFill>
+                <a:prstDash val="solid"/>
+              </a:ln>
+              <a:solidFill>
+                <a:srgbClr val="272123"/>
+              </a:solidFill>
+              <a:latin typeface="HY견고딕" charset="0"/>
+              <a:ea typeface="HY견고딕" charset="0"/>
+            </a:endParaRPr>
+          </a:p>
+          <a:p>
+            <a:pPr marL="285750" indent="-285750" latinLnBrk="0">
+              <a:buFontTx/>
+              <a:buNone/>
+            </a:pPr>
+            <a:r>
+              <a:rPr lang="en-US" altLang="ko-KR" sz="1400">
+                <a:ln w="9525" cap="flat" cmpd="sng">
+                  <a:solidFill>
+                    <a:schemeClr val="tx1">
+                      <a:alpha val="29803"/>
+                    </a:schemeClr>
+                  </a:solidFill>
+                  <a:prstDash val="solid"/>
+                </a:ln>
+                <a:solidFill>
+                  <a:srgbClr val="272123"/>
+                </a:solidFill>
+                <a:latin typeface="HY견고딕" charset="0"/>
+                <a:ea typeface="HY견고딕" charset="0"/>
+              </a:rPr>
+              <a:t>	student = new string[size];</a:t>
+            </a:r>
+            <a:endParaRPr lang="ko-KR" altLang="en-US" sz="1400">
+              <a:ln w="9525" cap="flat" cmpd="sng">
+                <a:solidFill>
+                  <a:schemeClr val="tx1">
+                    <a:alpha val="29803"/>
+                  </a:schemeClr>
+                </a:solidFill>
+                <a:prstDash val="solid"/>
+              </a:ln>
+              <a:solidFill>
+                <a:srgbClr val="272123"/>
+              </a:solidFill>
+              <a:latin typeface="HY견고딕" charset="0"/>
+              <a:ea typeface="HY견고딕" charset="0"/>
+            </a:endParaRPr>
+          </a:p>
+          <a:p>
+            <a:pPr marL="285750" indent="-285750" latinLnBrk="0">
+              <a:buFontTx/>
+              <a:buNone/>
+            </a:pPr>
+            <a:r>
+              <a:rPr lang="en-US" altLang="ko-KR" sz="1400">
+                <a:ln w="9525" cap="flat" cmpd="sng">
+                  <a:solidFill>
+                    <a:schemeClr val="tx1">
+                      <a:alpha val="29803"/>
+                    </a:schemeClr>
+                  </a:solidFill>
+                  <a:prstDash val="solid"/>
+                </a:ln>
+                <a:solidFill>
+                  <a:srgbClr val="272123"/>
+                </a:solidFill>
+                <a:latin typeface="HY견고딕" charset="0"/>
+                <a:ea typeface="HY견고딕" charset="0"/>
+              </a:rPr>
+              <a:t>	</a:t>
+            </a:r>
+            <a:endParaRPr lang="ko-KR" altLang="en-US" sz="1400">
+              <a:ln w="9525" cap="flat" cmpd="sng">
+                <a:solidFill>
+                  <a:schemeClr val="tx1">
+                    <a:alpha val="29803"/>
+                  </a:schemeClr>
+                </a:solidFill>
+                <a:prstDash val="solid"/>
+              </a:ln>
+              <a:solidFill>
+                <a:srgbClr val="272123"/>
+              </a:solidFill>
+              <a:latin typeface="HY견고딕" charset="0"/>
+              <a:ea typeface="HY견고딕" charset="0"/>
+            </a:endParaRPr>
+          </a:p>
+          <a:p>
+            <a:pPr marL="285750" indent="-285750" latinLnBrk="0">
+              <a:buFontTx/>
+              <a:buNone/>
+            </a:pPr>
+            <a:r>
+              <a:rPr lang="en-US" altLang="ko-KR" sz="1400">
+                <a:ln w="9525" cap="flat" cmpd="sng">
+                  <a:solidFill>
+                    <a:schemeClr val="tx1">
+                      <a:alpha val="29803"/>
+                    </a:schemeClr>
+                  </a:solidFill>
+                  <a:prstDash val="solid"/>
+                </a:ln>
+                <a:solidFill>
+                  <a:srgbClr val="272123"/>
+                </a:solidFill>
+                <a:latin typeface="HY견고딕" charset="0"/>
+                <a:ea typeface="HY견고딕" charset="0"/>
+              </a:rPr>
+              <a:t>	for(int i = 0 ; i &lt; size; i++)</a:t>
+            </a:r>
+            <a:endParaRPr lang="ko-KR" altLang="en-US" sz="1400">
+              <a:ln w="9525" cap="flat" cmpd="sng">
+                <a:solidFill>
+                  <a:schemeClr val="tx1">
+                    <a:alpha val="29803"/>
+                  </a:schemeClr>
+                </a:solidFill>
+                <a:prstDash val="solid"/>
+              </a:ln>
+              <a:solidFill>
+                <a:srgbClr val="272123"/>
+              </a:solidFill>
+              <a:latin typeface="HY견고딕" charset="0"/>
+              <a:ea typeface="HY견고딕" charset="0"/>
+            </a:endParaRPr>
+          </a:p>
+          <a:p>
+            <a:pPr marL="285750" indent="-285750" latinLnBrk="0">
+              <a:buFontTx/>
+              <a:buNone/>
+            </a:pPr>
+            <a:r>
+              <a:rPr lang="en-US" altLang="ko-KR" sz="1400">
+                <a:ln w="9525" cap="flat" cmpd="sng">
+                  <a:solidFill>
+                    <a:schemeClr val="tx1">
+                      <a:alpha val="29803"/>
+                    </a:schemeClr>
+                  </a:solidFill>
+                  <a:prstDash val="solid"/>
+                </a:ln>
+                <a:solidFill>
+                  <a:srgbClr val="272123"/>
+                </a:solidFill>
+                <a:latin typeface="HY견고딕" charset="0"/>
+                <a:ea typeface="HY견고딕" charset="0"/>
+              </a:rPr>
+              <a:t>	{</a:t>
+            </a:r>
+            <a:endParaRPr lang="ko-KR" altLang="en-US" sz="1400">
+              <a:ln w="9525" cap="flat" cmpd="sng">
+                <a:solidFill>
+                  <a:schemeClr val="tx1">
+                    <a:alpha val="29803"/>
+                  </a:schemeClr>
+                </a:solidFill>
+                <a:prstDash val="solid"/>
+              </a:ln>
+              <a:solidFill>
+                <a:srgbClr val="272123"/>
+              </a:solidFill>
+              <a:latin typeface="HY견고딕" charset="0"/>
+              <a:ea typeface="HY견고딕" charset="0"/>
+            </a:endParaRPr>
+          </a:p>
+          <a:p>
+            <a:pPr marL="285750" indent="-285750" latinLnBrk="0">
+              <a:buFontTx/>
+              <a:buNone/>
+            </a:pPr>
+            <a:r>
+              <a:rPr lang="en-US" altLang="ko-KR" sz="1400">
+                <a:ln w="9525" cap="flat" cmpd="sng">
+                  <a:solidFill>
+                    <a:schemeClr val="tx1">
+                      <a:alpha val="29803"/>
+                    </a:schemeClr>
+                  </a:solidFill>
+                  <a:prstDash val="solid"/>
+                </a:ln>
+                <a:solidFill>
+                  <a:srgbClr val="272123"/>
+                </a:solidFill>
+                <a:latin typeface="HY견고딕" charset="0"/>
+                <a:ea typeface="HY견고딕" charset="0"/>
+              </a:rPr>
+              <a:t>		cout &lt;&lt; i+1 &lt;&lt;"</a:t>
+            </a:r>
+            <a:r>
+              <a:rPr lang="ko-KR" altLang="en-US" sz="1400">
+                <a:ln w="9525" cap="flat" cmpd="sng">
+                  <a:solidFill>
+                    <a:schemeClr val="tx1">
+                      <a:alpha val="29803"/>
+                    </a:schemeClr>
+                  </a:solidFill>
+                  <a:prstDash val="solid"/>
+                </a:ln>
+                <a:solidFill>
+                  <a:srgbClr val="272123"/>
+                </a:solidFill>
+                <a:latin typeface="HY견고딕" charset="0"/>
+                <a:ea typeface="HY견고딕" charset="0"/>
+              </a:rPr>
+              <a:t>번 학생 이름 등록</a:t>
+            </a:r>
+            <a:r>
+              <a:rPr lang="en-US" altLang="ko-KR" sz="1400">
+                <a:ln w="9525" cap="flat" cmpd="sng">
+                  <a:solidFill>
+                    <a:schemeClr val="tx1">
+                      <a:alpha val="29803"/>
+                    </a:schemeClr>
+                  </a:solidFill>
+                  <a:prstDash val="solid"/>
+                </a:ln>
+                <a:solidFill>
+                  <a:srgbClr val="272123"/>
+                </a:solidFill>
+                <a:latin typeface="HY견고딕" charset="0"/>
+                <a:ea typeface="HY견고딕" charset="0"/>
+              </a:rPr>
+              <a:t>";</a:t>
+            </a:r>
+            <a:endParaRPr lang="ko-KR" altLang="en-US" sz="1400">
+              <a:ln w="9525" cap="flat" cmpd="sng">
+                <a:solidFill>
+                  <a:schemeClr val="tx1">
+                    <a:alpha val="29803"/>
+                  </a:schemeClr>
+                </a:solidFill>
+                <a:prstDash val="solid"/>
+              </a:ln>
+              <a:solidFill>
+                <a:srgbClr val="272123"/>
+              </a:solidFill>
+              <a:latin typeface="HY견고딕" charset="0"/>
+              <a:ea typeface="HY견고딕" charset="0"/>
+            </a:endParaRPr>
+          </a:p>
+          <a:p>
+            <a:pPr marL="285750" indent="-285750" latinLnBrk="0">
+              <a:buFontTx/>
+              <a:buNone/>
+            </a:pPr>
+            <a:r>
+              <a:rPr lang="en-US" altLang="ko-KR" sz="1400">
+                <a:ln w="9525" cap="flat" cmpd="sng">
+                  <a:solidFill>
+                    <a:schemeClr val="tx1">
+                      <a:alpha val="29803"/>
+                    </a:schemeClr>
+                  </a:solidFill>
+                  <a:prstDash val="solid"/>
+                </a:ln>
+                <a:solidFill>
+                  <a:srgbClr val="272123"/>
+                </a:solidFill>
+                <a:latin typeface="HY견고딕" charset="0"/>
+                <a:ea typeface="HY견고딕" charset="0"/>
+              </a:rPr>
+              <a:t>		cin &gt;&gt; student[i];</a:t>
+            </a:r>
+            <a:endParaRPr lang="ko-KR" altLang="en-US" sz="1400">
+              <a:ln w="9525" cap="flat" cmpd="sng">
+                <a:solidFill>
+                  <a:schemeClr val="tx1">
+                    <a:alpha val="29803"/>
+                  </a:schemeClr>
+                </a:solidFill>
+                <a:prstDash val="solid"/>
+              </a:ln>
+              <a:solidFill>
+                <a:srgbClr val="272123"/>
+              </a:solidFill>
+              <a:latin typeface="HY견고딕" charset="0"/>
+              <a:ea typeface="HY견고딕" charset="0"/>
+            </a:endParaRPr>
+          </a:p>
+          <a:p>
+            <a:pPr marL="285750" indent="-285750" latinLnBrk="0">
+              <a:buFontTx/>
+              <a:buNone/>
+            </a:pPr>
+            <a:r>
+              <a:rPr lang="en-US" altLang="ko-KR" sz="1400">
+                <a:ln w="9525" cap="flat" cmpd="sng">
+                  <a:solidFill>
+                    <a:schemeClr val="tx1">
+                      <a:alpha val="29803"/>
+                    </a:schemeClr>
+                  </a:solidFill>
+                  <a:prstDash val="solid"/>
+                </a:ln>
+                <a:solidFill>
+                  <a:srgbClr val="272123"/>
+                </a:solidFill>
+                <a:latin typeface="HY견고딕" charset="0"/>
+                <a:ea typeface="HY견고딕" charset="0"/>
+              </a:rPr>
+              <a:t>	}</a:t>
+            </a:r>
+            <a:endParaRPr lang="ko-KR" altLang="en-US" sz="1400">
+              <a:ln w="9525" cap="flat" cmpd="sng">
+                <a:solidFill>
+                  <a:schemeClr val="tx1">
+                    <a:alpha val="29803"/>
+                  </a:schemeClr>
+                </a:solidFill>
+                <a:prstDash val="solid"/>
+              </a:ln>
+              <a:solidFill>
+                <a:srgbClr val="272123"/>
+              </a:solidFill>
+              <a:latin typeface="HY견고딕" charset="0"/>
+              <a:ea typeface="HY견고딕" charset="0"/>
+            </a:endParaRPr>
+          </a:p>
+          <a:p>
+            <a:pPr marL="285750" indent="-285750" latinLnBrk="0">
+              <a:buFontTx/>
+              <a:buNone/>
+            </a:pPr>
+            <a:r>
+              <a:rPr lang="en-US" altLang="ko-KR" sz="1400">
+                <a:ln w="9525" cap="flat" cmpd="sng">
+                  <a:solidFill>
+                    <a:schemeClr val="tx1">
+                      <a:alpha val="29803"/>
+                    </a:schemeClr>
+                  </a:solidFill>
+                  <a:prstDash val="solid"/>
+                </a:ln>
+                <a:solidFill>
+                  <a:srgbClr val="272123"/>
+                </a:solidFill>
+                <a:latin typeface="HY견고딕" charset="0"/>
+                <a:ea typeface="HY견고딕" charset="0"/>
+              </a:rPr>
+              <a:t>	cout &lt;&lt; endl &lt;&lt; endl &lt;&lt; endl; </a:t>
+            </a:r>
+            <a:endParaRPr lang="ko-KR" altLang="en-US" sz="1400">
+              <a:ln w="9525" cap="flat" cmpd="sng">
+                <a:solidFill>
+                  <a:schemeClr val="tx1">
+                    <a:alpha val="29803"/>
+                  </a:schemeClr>
+                </a:solidFill>
+                <a:prstDash val="solid"/>
+              </a:ln>
+              <a:solidFill>
+                <a:srgbClr val="272123"/>
+              </a:solidFill>
+              <a:latin typeface="HY견고딕" charset="0"/>
+              <a:ea typeface="HY견고딕" charset="0"/>
+            </a:endParaRPr>
+          </a:p>
+          <a:p>
+            <a:pPr marL="285750" indent="-285750" latinLnBrk="0">
+              <a:buFontTx/>
+              <a:buNone/>
+            </a:pPr>
+            <a:r>
+              <a:rPr lang="en-US" altLang="ko-KR" sz="1400">
+                <a:ln w="9525" cap="flat" cmpd="sng">
+                  <a:solidFill>
+                    <a:schemeClr val="tx1">
+                      <a:alpha val="29803"/>
+                    </a:schemeClr>
+                  </a:solidFill>
+                  <a:prstDash val="solid"/>
+                </a:ln>
+                <a:solidFill>
+                  <a:srgbClr val="272123"/>
+                </a:solidFill>
+                <a:latin typeface="HY견고딕" charset="0"/>
+                <a:ea typeface="HY견고딕" charset="0"/>
+              </a:rPr>
+              <a:t>	for(int i = 0 ; i &lt; size ; i++)</a:t>
+            </a:r>
+            <a:endParaRPr lang="ko-KR" altLang="en-US" sz="1400">
+              <a:ln w="9525" cap="flat" cmpd="sng">
+                <a:solidFill>
+                  <a:schemeClr val="tx1">
+                    <a:alpha val="29803"/>
+                  </a:schemeClr>
+                </a:solidFill>
+                <a:prstDash val="solid"/>
+              </a:ln>
+              <a:solidFill>
+                <a:srgbClr val="272123"/>
+              </a:solidFill>
+              <a:latin typeface="HY견고딕" charset="0"/>
+              <a:ea typeface="HY견고딕" charset="0"/>
+            </a:endParaRPr>
+          </a:p>
+          <a:p>
+            <a:pPr marL="285750" indent="-285750" latinLnBrk="0">
+              <a:buFontTx/>
+              <a:buNone/>
+            </a:pPr>
+            <a:r>
+              <a:rPr lang="en-US" altLang="ko-KR" sz="1400">
+                <a:ln w="9525" cap="flat" cmpd="sng">
+                  <a:solidFill>
+                    <a:schemeClr val="tx1">
+                      <a:alpha val="29803"/>
+                    </a:schemeClr>
+                  </a:solidFill>
+                  <a:prstDash val="solid"/>
+                </a:ln>
+                <a:solidFill>
+                  <a:srgbClr val="272123"/>
+                </a:solidFill>
+                <a:latin typeface="HY견고딕" charset="0"/>
+                <a:ea typeface="HY견고딕" charset="0"/>
+              </a:rPr>
+              <a:t>	{</a:t>
+            </a:r>
+            <a:endParaRPr lang="ko-KR" altLang="en-US" sz="1400">
+              <a:ln w="9525" cap="flat" cmpd="sng">
+                <a:solidFill>
+                  <a:schemeClr val="tx1">
+                    <a:alpha val="29803"/>
+                  </a:schemeClr>
+                </a:solidFill>
+                <a:prstDash val="solid"/>
+              </a:ln>
+              <a:solidFill>
+                <a:srgbClr val="272123"/>
+              </a:solidFill>
+              <a:latin typeface="HY견고딕" charset="0"/>
+              <a:ea typeface="HY견고딕" charset="0"/>
+            </a:endParaRPr>
+          </a:p>
+          <a:p>
+            <a:pPr marL="285750" indent="-285750" latinLnBrk="0">
+              <a:buFontTx/>
+              <a:buNone/>
+            </a:pPr>
+            <a:r>
+              <a:rPr lang="en-US" altLang="ko-KR" sz="1400">
+                <a:ln w="9525" cap="flat" cmpd="sng">
+                  <a:solidFill>
+                    <a:schemeClr val="tx1">
+                      <a:alpha val="29803"/>
+                    </a:schemeClr>
+                  </a:solidFill>
+                  <a:prstDash val="solid"/>
+                </a:ln>
+                <a:solidFill>
+                  <a:srgbClr val="272123"/>
+                </a:solidFill>
+                <a:latin typeface="HY견고딕" charset="0"/>
+                <a:ea typeface="HY견고딕" charset="0"/>
+              </a:rPr>
+              <a:t>		cout &lt;&lt; i+1 &lt;&lt; "</a:t>
+            </a:r>
+            <a:r>
+              <a:rPr lang="ko-KR" altLang="en-US" sz="1400">
+                <a:ln w="9525" cap="flat" cmpd="sng">
+                  <a:solidFill>
+                    <a:schemeClr val="tx1">
+                      <a:alpha val="29803"/>
+                    </a:schemeClr>
+                  </a:solidFill>
+                  <a:prstDash val="solid"/>
+                </a:ln>
+                <a:solidFill>
+                  <a:srgbClr val="272123"/>
+                </a:solidFill>
+                <a:latin typeface="HY견고딕" charset="0"/>
+                <a:ea typeface="HY견고딕" charset="0"/>
+              </a:rPr>
+              <a:t>번학생 </a:t>
+            </a:r>
+            <a:r>
+              <a:rPr lang="en-US" altLang="ko-KR" sz="1400">
+                <a:ln w="9525" cap="flat" cmpd="sng">
+                  <a:solidFill>
+                    <a:schemeClr val="tx1">
+                      <a:alpha val="29803"/>
+                    </a:schemeClr>
+                  </a:solidFill>
+                  <a:prstDash val="solid"/>
+                </a:ln>
+                <a:solidFill>
+                  <a:srgbClr val="272123"/>
+                </a:solidFill>
+                <a:latin typeface="HY견고딕" charset="0"/>
+                <a:ea typeface="HY견고딕" charset="0"/>
+              </a:rPr>
+              <a:t>:";</a:t>
+            </a:r>
+            <a:endParaRPr lang="ko-KR" altLang="en-US" sz="1400">
+              <a:ln w="9525" cap="flat" cmpd="sng">
+                <a:solidFill>
+                  <a:schemeClr val="tx1">
+                    <a:alpha val="29803"/>
+                  </a:schemeClr>
+                </a:solidFill>
+                <a:prstDash val="solid"/>
+              </a:ln>
+              <a:solidFill>
+                <a:srgbClr val="272123"/>
+              </a:solidFill>
+              <a:latin typeface="HY견고딕" charset="0"/>
+              <a:ea typeface="HY견고딕" charset="0"/>
+            </a:endParaRPr>
+          </a:p>
+          <a:p>
+            <a:pPr marL="285750" indent="-285750" latinLnBrk="0">
+              <a:buFontTx/>
+              <a:buNone/>
+            </a:pPr>
+            <a:r>
+              <a:rPr lang="en-US" altLang="ko-KR" sz="1400">
+                <a:ln w="9525" cap="flat" cmpd="sng">
+                  <a:solidFill>
+                    <a:schemeClr val="tx1">
+                      <a:alpha val="29803"/>
+                    </a:schemeClr>
+                  </a:solidFill>
+                  <a:prstDash val="solid"/>
+                </a:ln>
+                <a:solidFill>
+                  <a:srgbClr val="272123"/>
+                </a:solidFill>
+                <a:latin typeface="HY견고딕" charset="0"/>
+                <a:ea typeface="HY견고딕" charset="0"/>
+              </a:rPr>
+              <a:t>		cout &lt;&lt; student[i] &lt;&lt; endl;</a:t>
+            </a:r>
+            <a:endParaRPr lang="ko-KR" altLang="en-US" sz="1400">
+              <a:ln w="9525" cap="flat" cmpd="sng">
+                <a:solidFill>
+                  <a:schemeClr val="tx1">
+                    <a:alpha val="29803"/>
+                  </a:schemeClr>
+                </a:solidFill>
+                <a:prstDash val="solid"/>
+              </a:ln>
+              <a:solidFill>
+                <a:srgbClr val="272123"/>
+              </a:solidFill>
+              <a:latin typeface="HY견고딕" charset="0"/>
+              <a:ea typeface="HY견고딕" charset="0"/>
+            </a:endParaRPr>
+          </a:p>
+          <a:p>
+            <a:pPr marL="285750" indent="-285750" latinLnBrk="0">
+              <a:buFontTx/>
+              <a:buNone/>
+            </a:pPr>
+            <a:r>
+              <a:rPr lang="en-US" altLang="ko-KR" sz="1400">
+                <a:ln w="9525" cap="flat" cmpd="sng">
+                  <a:solidFill>
+                    <a:schemeClr val="tx1">
+                      <a:alpha val="29803"/>
+                    </a:schemeClr>
+                  </a:solidFill>
+                  <a:prstDash val="solid"/>
+                </a:ln>
+                <a:solidFill>
+                  <a:srgbClr val="272123"/>
+                </a:solidFill>
+                <a:latin typeface="HY견고딕" charset="0"/>
+                <a:ea typeface="HY견고딕" charset="0"/>
+              </a:rPr>
+              <a:t>	}</a:t>
+            </a:r>
+            <a:endParaRPr lang="ko-KR" altLang="en-US" sz="1400">
+              <a:ln w="9525" cap="flat" cmpd="sng">
+                <a:solidFill>
+                  <a:schemeClr val="tx1">
+                    <a:alpha val="29803"/>
+                  </a:schemeClr>
+                </a:solidFill>
+                <a:prstDash val="solid"/>
+              </a:ln>
+              <a:solidFill>
+                <a:srgbClr val="272123"/>
+              </a:solidFill>
+              <a:latin typeface="HY견고딕" charset="0"/>
+              <a:ea typeface="HY견고딕" charset="0"/>
+            </a:endParaRPr>
+          </a:p>
+          <a:p>
+            <a:pPr marL="285750" indent="-285750" latinLnBrk="0">
+              <a:buFontTx/>
+              <a:buNone/>
+            </a:pPr>
+            <a:r>
+              <a:rPr lang="en-US" altLang="ko-KR" sz="1400">
+                <a:ln w="9525" cap="flat" cmpd="sng">
+                  <a:solidFill>
+                    <a:schemeClr val="tx1">
+                      <a:alpha val="29803"/>
+                    </a:schemeClr>
+                  </a:solidFill>
+                  <a:prstDash val="solid"/>
+                </a:ln>
+                <a:solidFill>
+                  <a:srgbClr val="272123"/>
+                </a:solidFill>
+                <a:latin typeface="HY견고딕" charset="0"/>
+                <a:ea typeface="HY견고딕" charset="0"/>
+              </a:rPr>
+              <a:t>	delete[] student;</a:t>
+            </a:r>
+            <a:endParaRPr lang="ko-KR" altLang="en-US" sz="1400">
+              <a:ln w="9525" cap="flat" cmpd="sng">
+                <a:solidFill>
+                  <a:schemeClr val="tx1">
+                    <a:alpha val="29803"/>
+                  </a:schemeClr>
+                </a:solidFill>
+                <a:prstDash val="solid"/>
+              </a:ln>
+              <a:solidFill>
+                <a:srgbClr val="272123"/>
+              </a:solidFill>
+              <a:latin typeface="HY견고딕" charset="0"/>
+              <a:ea typeface="HY견고딕" charset="0"/>
+            </a:endParaRPr>
+          </a:p>
+          <a:p>
+            <a:pPr marL="285750" indent="-285750" latinLnBrk="0">
+              <a:buFontTx/>
+              <a:buNone/>
+            </a:pPr>
+            <a:r>
+              <a:rPr lang="en-US" altLang="ko-KR" sz="1400">
+                <a:ln w="9525" cap="flat" cmpd="sng">
+                  <a:solidFill>
+                    <a:schemeClr val="tx1">
+                      <a:alpha val="29803"/>
+                    </a:schemeClr>
+                  </a:solidFill>
+                  <a:prstDash val="solid"/>
+                </a:ln>
+                <a:solidFill>
+                  <a:srgbClr val="272123"/>
+                </a:solidFill>
+                <a:latin typeface="HY견고딕" charset="0"/>
+                <a:ea typeface="HY견고딕" charset="0"/>
+              </a:rPr>
+              <a:t>}</a:t>
+            </a:r>
+            <a:endParaRPr lang="ko-KR" altLang="en-US" sz="1400">
+              <a:ln w="9525" cap="flat" cmpd="sng">
+                <a:solidFill>
+                  <a:schemeClr val="tx1">
+                    <a:alpha val="29803"/>
+                  </a:schemeClr>
+                </a:solidFill>
+                <a:prstDash val="solid"/>
+              </a:ln>
+              <a:solidFill>
+                <a:srgbClr val="272123"/>
+              </a:solidFill>
+              <a:latin typeface="HY견고딕" charset="0"/>
+              <a:ea typeface="HY견고딕" charset="0"/>
+            </a:endParaRPr>
+          </a:p>
+          <a:p>
+            <a:pPr marL="285750" indent="-285750" latinLnBrk="0">
+              <a:buFontTx/>
+              <a:buNone/>
+            </a:pPr>
+            <a:endParaRPr lang="ko-KR" altLang="en-US" sz="1400">
+              <a:ln w="9525" cap="flat" cmpd="sng">
+                <a:solidFill>
+                  <a:schemeClr val="tx1">
+                    <a:alpha val="29803"/>
+                  </a:schemeClr>
+                </a:solidFill>
+                <a:prstDash val="solid"/>
+              </a:ln>
+              <a:solidFill>
+                <a:srgbClr val="272123"/>
+              </a:solidFill>
+              <a:latin typeface="HY견고딕" charset="0"/>
+              <a:ea typeface="HY견고딕" charset="0"/>
+            </a:endParaRPr>
+          </a:p>
+          <a:p>
+            <a:pPr marL="285750" indent="-285750" latinLnBrk="0">
+              <a:buFontTx/>
+              <a:buNone/>
+            </a:pPr>
+            <a:endParaRPr lang="ko-KR" altLang="en-US" sz="1400">
+              <a:ln w="9525" cap="flat" cmpd="sng">
+                <a:solidFill>
+                  <a:schemeClr val="tx1">
+                    <a:alpha val="29803"/>
+                  </a:schemeClr>
+                </a:solidFill>
+                <a:prstDash val="solid"/>
+              </a:ln>
+              <a:solidFill>
+                <a:srgbClr val="272123"/>
+              </a:solidFill>
+              <a:latin typeface="HY견고딕" charset="0"/>
+              <a:ea typeface="HY견고딕" charset="0"/>
             </a:endParaRPr>
           </a:p>
         </p:txBody>
@@ -26493,8 +26145,8 @@
         </p:nvSpPr>
         <p:spPr>
           <a:xfrm>
-            <a:off x="743325" y="52491"/>
-            <a:ext cx="1956467" cy="400110"/>
+            <a:off x="743585" y="52705"/>
+            <a:ext cx="1956435" cy="400050"/>
           </a:xfrm>
           <a:prstGeom prst="rect">
             <a:avLst/>
@@ -26548,18 +26200,25 @@
   <p:clrMapOvr>
     <a:masterClrMapping/>
   </p:clrMapOvr>
-  <mc:AlternateContent xmlns:mc="http://schemas.openxmlformats.org/markup-compatibility/2006" xmlns:p14="http://schemas.microsoft.com/office/powerpoint/2010/main">
-    <mc:Choice Requires="p14">
-      <p:transition spd="med" p14:dur="700" advTm="1223">
+  <mc:AlternateContent xmlns:mc="http://schemas.openxmlformats.org/markup-compatibility/2006">
+    <mc:Choice xmlns:p14="http://schemas.microsoft.com/office/powerpoint/2010/main" Requires="p14">
+      <p:transition spd="slow" p14:dur="700" advTm="1223">
         <p:fade/>
       </p:transition>
     </mc:Choice>
-    <mc:Fallback xmlns="">
-      <p:transition spd="med" advTm="1223">
+    <mc:Fallback>
+      <p:transition spd="slow" advTm="1223">
         <p:fade/>
       </p:transition>
     </mc:Fallback>
   </mc:AlternateContent>
+  <p:timing>
+    <p:tnLst>
+      <p:par>
+        <p:cTn id="1" dur="indefinite" restart="never" nodeType="tmRoot"/>
+      </p:par>
+    </p:tnLst>
+  </p:timing>
 </p:sld>
 </file>
 
